--- a/spring13/slides13/genfunccount.pptx
+++ b/spring13/slides13/genfunccount.pptx
@@ -3984,7 +3984,91 @@
   <p:timing>
     <p:tnLst>
       <p:par>
-        <p:cTn xmlns:p14="http://schemas.microsoft.com/office/powerpoint/2010/main" id="1" dur="indefinite" restart="never" nodeType="tmRoot"/>
+        <p:cTn xmlns:p14="http://schemas.microsoft.com/office/powerpoint/2010/main" id="1" dur="indefinite" restart="never" nodeType="tmRoot">
+          <p:childTnLst>
+            <p:seq concurrent="1" nextAc="seek">
+              <p:cTn id="2" dur="indefinite" nodeType="mainSeq">
+                <p:childTnLst>
+                  <p:par>
+                    <p:cTn id="3" fill="hold">
+                      <p:stCondLst>
+                        <p:cond delay="indefinite"/>
+                      </p:stCondLst>
+                      <p:childTnLst>
+                        <p:par>
+                          <p:cTn id="4" fill="hold">
+                            <p:stCondLst>
+                              <p:cond delay="0"/>
+                            </p:stCondLst>
+                            <p:childTnLst>
+                              <p:par>
+                                <p:cTn id="5" presetID="10" presetClass="entr" presetSubtype="0" fill="hold" nodeType="clickEffect">
+                                  <p:stCondLst>
+                                    <p:cond delay="0"/>
+                                  </p:stCondLst>
+                                  <p:childTnLst>
+                                    <p:set>
+                                      <p:cBhvr>
+                                        <p:cTn id="6" dur="1" fill="hold">
+                                          <p:stCondLst>
+                                            <p:cond delay="0"/>
+                                          </p:stCondLst>
+                                        </p:cTn>
+                                        <p:tgtEl>
+                                          <p:spTgt spid="8196">
+                                            <p:txEl>
+                                              <p:pRg st="1" end="1"/>
+                                            </p:txEl>
+                                          </p:spTgt>
+                                        </p:tgtEl>
+                                        <p:attrNameLst>
+                                          <p:attrName>style.visibility</p:attrName>
+                                        </p:attrNameLst>
+                                      </p:cBhvr>
+                                      <p:to>
+                                        <p:strVal val="visible"/>
+                                      </p:to>
+                                    </p:set>
+                                    <p:animEffect transition="in" filter="fade">
+                                      <p:cBhvr>
+                                        <p:cTn id="7" dur="500"/>
+                                        <p:tgtEl>
+                                          <p:spTgt spid="8196">
+                                            <p:txEl>
+                                              <p:pRg st="1" end="1"/>
+                                            </p:txEl>
+                                          </p:spTgt>
+                                        </p:tgtEl>
+                                      </p:cBhvr>
+                                    </p:animEffect>
+                                  </p:childTnLst>
+                                </p:cTn>
+                              </p:par>
+                            </p:childTnLst>
+                          </p:cTn>
+                        </p:par>
+                      </p:childTnLst>
+                    </p:cTn>
+                  </p:par>
+                </p:childTnLst>
+              </p:cTn>
+              <p:prevCondLst>
+                <p:cond evt="onPrev" delay="0">
+                  <p:tgtEl>
+                    <p:sldTgt/>
+                  </p:tgtEl>
+                </p:cond>
+              </p:prevCondLst>
+              <p:nextCondLst>
+                <p:cond evt="onNext" delay="0">
+                  <p:tgtEl>
+                    <p:sldTgt/>
+                  </p:tgtEl>
+                </p:cond>
+              </p:nextCondLst>
+            </p:seq>
+          </p:childTnLst>
+        </p:cTn>
       </p:par>
     </p:tnLst>
   </p:timing>
@@ -4249,7 +4333,7 @@
           <a:graphicData uri="http://schemas.openxmlformats.org/presentationml/2006/ole">
             <mc:AlternateContent xmlns:mc="http://schemas.openxmlformats.org/markup-compatibility/2006">
               <mc:Choice xmlns:v="urn:schemas-microsoft-com:vml" Requires="v">
-                <p:oleObj spid="_x0000_s181316" name="Equation" r:id="rId3" imgW="165100" imgH="673100" progId="Equation.DSMT4">
+                <p:oleObj spid="_x0000_s181321" name="Equation" r:id="rId3" imgW="165100" imgH="673100" progId="Equation.DSMT4">
                   <p:embed/>
                 </p:oleObj>
               </mc:Choice>
@@ -4527,7 +4611,7 @@
           <a:graphicData uri="http://schemas.openxmlformats.org/presentationml/2006/ole">
             <mc:AlternateContent xmlns:mc="http://schemas.openxmlformats.org/markup-compatibility/2006">
               <mc:Choice xmlns:v="urn:schemas-microsoft-com:vml" Requires="v">
-                <p:oleObj spid="_x0000_s181317" name="Equation" r:id="rId5" imgW="165100" imgH="673100" progId="Equation.DSMT4">
+                <p:oleObj spid="_x0000_s181322" name="Equation" r:id="rId5" imgW="165100" imgH="673100" progId="Equation.DSMT4">
                   <p:embed/>
                 </p:oleObj>
               </mc:Choice>
@@ -5855,7 +5939,7 @@
           <a:graphicData uri="http://schemas.openxmlformats.org/presentationml/2006/ole">
             <mc:AlternateContent xmlns:mc="http://schemas.openxmlformats.org/markup-compatibility/2006">
               <mc:Choice xmlns:v="urn:schemas-microsoft-com:vml" Requires="v">
-                <p:oleObj spid="_x0000_s164901" name="Equation" r:id="rId3" imgW="8013700" imgH="939800" progId="Equation.DSMT4">
+                <p:oleObj spid="_x0000_s164904" name="Equation" r:id="rId3" imgW="8013700" imgH="939800" progId="Equation.DSMT4">
                   <p:embed/>
                 </p:oleObj>
               </mc:Choice>
@@ -6316,7 +6400,7 @@
           <a:graphicData uri="http://schemas.openxmlformats.org/presentationml/2006/ole">
             <mc:AlternateContent xmlns:mc="http://schemas.openxmlformats.org/markup-compatibility/2006">
               <mc:Choice xmlns:v="urn:schemas-microsoft-com:vml" Requires="v">
-                <p:oleObj spid="_x0000_s230494" name="Equation" r:id="rId3" imgW="7543800" imgH="939800" progId="Equation.3">
+                <p:oleObj spid="_x0000_s230501" name="Equation" r:id="rId3" imgW="7543800" imgH="939800" progId="Equation.3">
                   <p:embed/>
                 </p:oleObj>
               </mc:Choice>
@@ -6377,7 +6461,7 @@
           <a:graphicData uri="http://schemas.openxmlformats.org/presentationml/2006/ole">
             <mc:AlternateContent xmlns:mc="http://schemas.openxmlformats.org/markup-compatibility/2006">
               <mc:Choice xmlns:v="urn:schemas-microsoft-com:vml" Requires="v">
-                <p:oleObj spid="_x0000_s230495" name="Equation" r:id="rId5" imgW="8178800" imgH="774700" progId="Equation.3">
+                <p:oleObj spid="_x0000_s230502" name="Equation" r:id="rId5" imgW="8178800" imgH="774700" progId="Equation.3">
                   <p:embed/>
                 </p:oleObj>
               </mc:Choice>
@@ -6438,7 +6522,7 @@
           <a:graphicData uri="http://schemas.openxmlformats.org/presentationml/2006/ole">
             <mc:AlternateContent xmlns:mc="http://schemas.openxmlformats.org/markup-compatibility/2006">
               <mc:Choice xmlns:v="urn:schemas-microsoft-com:vml" Requires="v">
-                <p:oleObj spid="_x0000_s230496" name="Equation" r:id="rId7" imgW="7810500" imgH="762000" progId="Equation.DSMT4">
+                <p:oleObj spid="_x0000_s230503" name="Equation" r:id="rId7" imgW="7810500" imgH="762000" progId="Equation.DSMT4">
                   <p:embed/>
                 </p:oleObj>
               </mc:Choice>
@@ -6918,7 +7002,7 @@
           <a:graphicData uri="http://schemas.openxmlformats.org/presentationml/2006/ole">
             <mc:AlternateContent xmlns:mc="http://schemas.openxmlformats.org/markup-compatibility/2006">
               <mc:Choice xmlns:v="urn:schemas-microsoft-com:vml" Requires="v">
-                <p:oleObj spid="_x0000_s320550" name="Equation" r:id="rId3" imgW="762000" imgH="469900" progId="Equation.DSMT4">
+                <p:oleObj spid="_x0000_s320553" name="Equation" r:id="rId3" imgW="762000" imgH="469900" progId="Equation.DSMT4">
                   <p:embed/>
                 </p:oleObj>
               </mc:Choice>
@@ -7189,9 +7273,9 @@
           </a:solidFill>
           <a:ln w="50800" cap="flat" cmpd="sng" algn="ctr">
             <a:solidFill>
-              <a:srgbClr val="0000FF"/>
+              <a:srgbClr val="FF00FF"/>
             </a:solidFill>
-            <a:prstDash val="solid"/>
+            <a:prstDash val="sysDash"/>
             <a:round/>
             <a:headEnd type="none" w="med" len="med"/>
             <a:tailEnd type="none" w="med" len="med"/>
@@ -7390,7 +7474,7 @@
                             </p:stCondLst>
                             <p:childTnLst>
                               <p:par>
-                                <p:cTn id="5" presetID="1" presetClass="entr" presetSubtype="0" fill="hold" grpId="0" nodeType="afterEffect">
+                                <p:cTn id="5" presetID="10" presetClass="entr" presetSubtype="0" fill="hold" grpId="0" nodeType="afterEffect">
                                   <p:stCondLst>
                                     <p:cond delay="500"/>
                                   </p:stCondLst>
@@ -7413,6 +7497,14 @@
                                         <p:strVal val="visible"/>
                                       </p:to>
                                     </p:set>
+                                    <p:animEffect transition="in" filter="fade">
+                                      <p:cBhvr>
+                                        <p:cTn id="7" dur="500"/>
+                                        <p:tgtEl>
+                                          <p:spTgt spid="4"/>
+                                        </p:tgtEl>
+                                      </p:cBhvr>
+                                    </p:animEffect>
                                   </p:childTnLst>
                                 </p:cTn>
                               </p:par>
@@ -7420,20 +7512,20 @@
                           </p:cTn>
                         </p:par>
                         <p:par>
-                          <p:cTn id="7" fill="hold">
+                          <p:cTn id="8" fill="hold">
                             <p:stCondLst>
-                              <p:cond delay="500"/>
+                              <p:cond delay="1000"/>
                             </p:stCondLst>
                             <p:childTnLst>
                               <p:par>
-                                <p:cTn id="8" presetID="1" presetClass="entr" presetSubtype="0" fill="hold" grpId="0" nodeType="afterEffect">
+                                <p:cTn id="9" presetID="10" presetClass="entr" presetSubtype="0" fill="hold" grpId="0" nodeType="afterEffect">
                                   <p:stCondLst>
                                     <p:cond delay="0"/>
                                   </p:stCondLst>
                                   <p:childTnLst>
                                     <p:set>
                                       <p:cBhvr>
-                                        <p:cTn id="9" dur="1" fill="hold">
+                                        <p:cTn id="10" dur="1" fill="hold">
                                           <p:stCondLst>
                                             <p:cond delay="0"/>
                                           </p:stCondLst>
@@ -7449,6 +7541,14 @@
                                         <p:strVal val="visible"/>
                                       </p:to>
                                     </p:set>
+                                    <p:animEffect transition="in" filter="fade">
+                                      <p:cBhvr>
+                                        <p:cTn id="11" dur="500"/>
+                                        <p:tgtEl>
+                                          <p:spTgt spid="5"/>
+                                        </p:tgtEl>
+                                      </p:cBhvr>
+                                    </p:animEffect>
                                   </p:childTnLst>
                                 </p:cTn>
                               </p:par>
@@ -7619,7 +7719,7 @@
           <a:graphicData uri="http://schemas.openxmlformats.org/presentationml/2006/ole">
             <mc:AlternateContent xmlns:mc="http://schemas.openxmlformats.org/markup-compatibility/2006">
               <mc:Choice xmlns:v="urn:schemas-microsoft-com:vml" Requires="v">
-                <p:oleObj spid="_x0000_s1025" name="Equation" r:id="rId4" imgW="6603840" imgH="2920680" progId="Equation.DSMT4">
+                <p:oleObj spid="_x0000_s1028" name="Equation" r:id="rId4" imgW="6603840" imgH="2920680" progId="Equation.DSMT4">
                   <p:embed/>
                 </p:oleObj>
               </mc:Choice>
@@ -7683,7 +7783,9 @@
   <p:clrMapOvr>
     <a:masterClrMapping/>
   </p:clrMapOvr>
-  <p:transition xmlns:p14="http://schemas.microsoft.com/office/powerpoint/2010/main"/>
+  <p:transition xmlns:p14="http://schemas.microsoft.com/office/powerpoint/2010/main" spd="slow" advClick="0">
+    <p:fade thruBlk="1"/>
+  </p:transition>
   <p:timing>
     <p:tnLst>
       <p:par>
@@ -7874,7 +7976,7 @@
           <a:graphicData uri="http://schemas.openxmlformats.org/presentationml/2006/ole">
             <mc:AlternateContent xmlns:mc="http://schemas.openxmlformats.org/markup-compatibility/2006">
               <mc:Choice xmlns:v="urn:schemas-microsoft-com:vml" Requires="v">
-                <p:oleObj spid="_x0000_s340993" name="Equation" r:id="rId4" imgW="6489700" imgH="850900" progId="Equation.DSMT4">
+                <p:oleObj spid="_x0000_s340997" name="Equation" r:id="rId4" imgW="6489700" imgH="850900" progId="Equation.DSMT4">
                   <p:embed/>
                 </p:oleObj>
               </mc:Choice>
@@ -7968,7 +8070,11 @@
               <a:t>must have  </a:t>
             </a:r>
             <a:r>
-              <a:rPr lang="en-US" sz="4800" dirty="0" err="1" smtClean="0">
+              <a:rPr lang="en-US" sz="4800" dirty="0"/>
+              <a:t>rem(</a:t>
+            </a:r>
+            <a:r>
+              <a:rPr lang="en-US" sz="4800" dirty="0">
                 <a:solidFill>
                   <a:schemeClr val="accent1">
                     <a:lumMod val="50000"/>
@@ -7978,17 +8084,33 @@
               <a:t>n</a:t>
             </a:r>
             <a:r>
-              <a:rPr lang="en-US" sz="4800" dirty="0" smtClean="0">
+              <a:rPr lang="en-US" sz="4800" dirty="0"/>
+              <a:t>,3</a:t>
+            </a:r>
+            <a:r>
+              <a:rPr lang="en-US" sz="4800" dirty="0" smtClean="0"/>
+              <a:t>)</a:t>
+            </a:r>
+            <a:r>
+              <a:rPr lang="en-US" sz="4800" dirty="0" smtClean="0"/>
+              <a:t> </a:t>
+            </a:r>
+            <a:r>
+              <a:rPr lang="en-US" sz="4800" dirty="0" smtClean="0"/>
+              <a:t>bananas and </a:t>
+            </a:r>
+            <a:r>
+              <a:rPr lang="en-US" sz="4800" dirty="0">
                 <a:solidFill>
                   <a:schemeClr val="accent1">
                     <a:lumMod val="50000"/>
                   </a:schemeClr>
                 </a:solidFill>
               </a:rPr>
-              <a:t> </a:t>
-            </a:r>
-            <a:r>
-              <a:rPr lang="en-US" sz="4800" dirty="0" smtClean="0">
+              <a:t>n </a:t>
+            </a:r>
+            <a:r>
+              <a:rPr lang="en-US" sz="4800" dirty="0">
                 <a:latin typeface="Euclid Symbol" charset="2"/>
                 <a:cs typeface="Euclid Symbol" charset="2"/>
                 <a:sym typeface="Symbol"/>
@@ -7996,17 +8118,17 @@
               <a:t>-</a:t>
             </a:r>
             <a:r>
-              <a:rPr lang="en-US" sz="4800" dirty="0" smtClean="0">
+              <a:rPr lang="en-US" sz="4800" dirty="0">
                 <a:sym typeface="Symbol"/>
               </a:rPr>
               <a:t> </a:t>
             </a:r>
             <a:r>
-              <a:rPr lang="en-US" sz="4800" dirty="0" smtClean="0"/>
+              <a:rPr lang="en-US" sz="4800" dirty="0"/>
               <a:t>rem(</a:t>
             </a:r>
             <a:r>
-              <a:rPr lang="en-US" sz="4800" dirty="0" smtClean="0">
+              <a:rPr lang="en-US" sz="4800" dirty="0">
                 <a:solidFill>
                   <a:schemeClr val="accent1">
                     <a:lumMod val="50000"/>
@@ -8016,22 +8138,12 @@
               <a:t>n</a:t>
             </a:r>
             <a:r>
+              <a:rPr lang="en-US" sz="4800" dirty="0"/>
+              <a:t>,3</a:t>
+            </a:r>
+            <a:r>
               <a:rPr lang="en-US" sz="4800" dirty="0" smtClean="0"/>
-              <a:t>,3) bananas and rem(</a:t>
-            </a:r>
-            <a:r>
-              <a:rPr lang="en-US" sz="4800" dirty="0" smtClean="0">
-                <a:solidFill>
-                  <a:schemeClr val="accent1">
-                    <a:lumMod val="50000"/>
-                  </a:schemeClr>
-                </a:solidFill>
-              </a:rPr>
-              <a:t>n</a:t>
-            </a:r>
-            <a:r>
-              <a:rPr lang="en-US" sz="4800" dirty="0" smtClean="0"/>
-              <a:t>,3) oranges</a:t>
+              <a:t>) oranges</a:t>
             </a:r>
             <a:endParaRPr lang="en-US" sz="4800" dirty="0"/>
           </a:p>
@@ -8047,7 +8159,9 @@
   <p:clrMapOvr>
     <a:masterClrMapping/>
   </p:clrMapOvr>
-  <p:transition xmlns:p14="http://schemas.microsoft.com/office/powerpoint/2010/main"/>
+  <p:transition xmlns:p14="http://schemas.microsoft.com/office/powerpoint/2010/main" spd="slow" advClick="0">
+    <p:fade/>
+  </p:transition>
   <p:timing>
     <p:tnLst>
       <p:par>
@@ -8162,7 +8276,7 @@
           <a:graphicData uri="http://schemas.openxmlformats.org/presentationml/2006/ole">
             <mc:AlternateContent xmlns:mc="http://schemas.openxmlformats.org/markup-compatibility/2006">
               <mc:Choice xmlns:v="urn:schemas-microsoft-com:vml" Requires="v">
-                <p:oleObj spid="_x0000_s342017" name="Equation" r:id="rId4" imgW="6540500" imgH="1092200" progId="Equation.3">
+                <p:oleObj spid="_x0000_s342022" name="Equation" r:id="rId4" imgW="6540500" imgH="1092200" progId="Equation.3">
                   <p:embed/>
                 </p:oleObj>
               </mc:Choice>
@@ -8269,7 +8383,7 @@
           <a:graphicData uri="http://schemas.openxmlformats.org/presentationml/2006/ole">
             <mc:AlternateContent xmlns:mc="http://schemas.openxmlformats.org/markup-compatibility/2006">
               <mc:Choice xmlns:v="urn:schemas-microsoft-com:vml" Requires="v">
-                <p:oleObj spid="_x0000_s342018" name="Equation" r:id="rId6" imgW="5905440" imgH="558720" progId="Equation.DSMT4">
+                <p:oleObj spid="_x0000_s342023" name="Equation" r:id="rId6" imgW="5905440" imgH="558720" progId="Equation.DSMT4">
                   <p:embed/>
                 </p:oleObj>
               </mc:Choice>
@@ -8333,7 +8447,18 @@
   <p:clrMapOvr>
     <a:masterClrMapping/>
   </p:clrMapOvr>
-  <p:transition xmlns:p14="http://schemas.microsoft.com/office/powerpoint/2010/main"/>
+  <mc:AlternateContent xmlns:mc="http://schemas.openxmlformats.org/markup-compatibility/2006">
+    <mc:Choice xmlns:p14="http://schemas.microsoft.com/office/powerpoint/2010/main" Requires="p14">
+      <p:transition spd="med" p14:dur="700" advClick="0">
+        <p:fade/>
+      </p:transition>
+    </mc:Choice>
+    <mc:Fallback>
+      <p:transition xmlns:p14="http://schemas.microsoft.com/office/powerpoint/2010/main" spd="med" advClick="0">
+        <p:fade/>
+      </p:transition>
+    </mc:Fallback>
+  </mc:AlternateContent>
   <p:timing>
     <p:tnLst>
       <p:par>
@@ -8468,7 +8593,7 @@
           <a:graphicData uri="http://schemas.openxmlformats.org/presentationml/2006/ole">
             <mc:AlternateContent xmlns:mc="http://schemas.openxmlformats.org/markup-compatibility/2006">
               <mc:Choice xmlns:v="urn:schemas-microsoft-com:vml" Requires="v">
-                <p:oleObj spid="_x0000_s88190" name="Equation" r:id="rId4" imgW="990360" imgH="571320" progId="Equation.DSMT4">
+                <p:oleObj spid="_x0000_s88199" name="Equation" r:id="rId4" imgW="990360" imgH="571320" progId="Equation.DSMT4">
                   <p:embed/>
                 </p:oleObj>
               </mc:Choice>
@@ -8544,7 +8669,7 @@
           <a:graphicData uri="http://schemas.openxmlformats.org/presentationml/2006/ole">
             <mc:AlternateContent xmlns:mc="http://schemas.openxmlformats.org/markup-compatibility/2006">
               <mc:Choice xmlns:v="urn:schemas-microsoft-com:vml" Requires="v">
-                <p:oleObj spid="_x0000_s88191" name="Equation" r:id="rId6" imgW="2159000" imgH="723900" progId="Equation.DSMT4">
+                <p:oleObj spid="_x0000_s88200" name="Equation" r:id="rId6" imgW="2159000" imgH="723900" progId="Equation.DSMT4">
                   <p:embed/>
                 </p:oleObj>
               </mc:Choice>
@@ -8604,7 +8729,7 @@
           <a:graphicData uri="http://schemas.openxmlformats.org/presentationml/2006/ole">
             <mc:AlternateContent xmlns:mc="http://schemas.openxmlformats.org/markup-compatibility/2006">
               <mc:Choice xmlns:v="urn:schemas-microsoft-com:vml" Requires="v">
-                <p:oleObj spid="_x0000_s88192" name="Equation" r:id="rId8" imgW="4609800" imgH="1231560" progId="Equation.DSMT4">
+                <p:oleObj spid="_x0000_s88201" name="Equation" r:id="rId8" imgW="4609800" imgH="1231560" progId="Equation.DSMT4">
                   <p:embed/>
                 </p:oleObj>
               </mc:Choice>
@@ -8674,7 +8799,7 @@
           <a:graphicData uri="http://schemas.openxmlformats.org/presentationml/2006/ole">
             <mc:AlternateContent xmlns:mc="http://schemas.openxmlformats.org/markup-compatibility/2006">
               <mc:Choice xmlns:v="urn:schemas-microsoft-com:vml" Requires="v">
-                <p:oleObj spid="_x0000_s88193" name="Equation" r:id="rId10" imgW="4063680" imgH="571320" progId="Equation.DSMT4">
+                <p:oleObj spid="_x0000_s88202" name="Equation" r:id="rId10" imgW="4063680" imgH="571320" progId="Equation.DSMT4">
                   <p:embed/>
                 </p:oleObj>
               </mc:Choice>
@@ -9351,7 +9476,7 @@
           <a:graphicData uri="http://schemas.openxmlformats.org/presentationml/2006/ole">
             <mc:AlternateContent xmlns:mc="http://schemas.openxmlformats.org/markup-compatibility/2006">
               <mc:Choice xmlns:v="urn:schemas-microsoft-com:vml" Requires="v">
-                <p:oleObj spid="_x0000_s330812" name="Equation" r:id="rId4" imgW="990360" imgH="571320" progId="Equation.DSMT4">
+                <p:oleObj spid="_x0000_s330821" name="Equation" r:id="rId4" imgW="990360" imgH="571320" progId="Equation.DSMT4">
                   <p:embed/>
                 </p:oleObj>
               </mc:Choice>
@@ -9427,7 +9552,7 @@
           <a:graphicData uri="http://schemas.openxmlformats.org/presentationml/2006/ole">
             <mc:AlternateContent xmlns:mc="http://schemas.openxmlformats.org/markup-compatibility/2006">
               <mc:Choice xmlns:v="urn:schemas-microsoft-com:vml" Requires="v">
-                <p:oleObj spid="_x0000_s330813" name="Equation" r:id="rId6" imgW="2108200" imgH="1511300" progId="Equation.DSMT4">
+                <p:oleObj spid="_x0000_s330822" name="Equation" r:id="rId6" imgW="2108200" imgH="1511300" progId="Equation.DSMT4">
                   <p:embed/>
                 </p:oleObj>
               </mc:Choice>
@@ -9487,7 +9612,7 @@
           <a:graphicData uri="http://schemas.openxmlformats.org/presentationml/2006/ole">
             <mc:AlternateContent xmlns:mc="http://schemas.openxmlformats.org/markup-compatibility/2006">
               <mc:Choice xmlns:v="urn:schemas-microsoft-com:vml" Requires="v">
-                <p:oleObj spid="_x0000_s330814" name="Equation" r:id="rId8" imgW="4609800" imgH="1231560" progId="Equation.DSMT4">
+                <p:oleObj spid="_x0000_s330823" name="Equation" r:id="rId8" imgW="4609800" imgH="1231560" progId="Equation.DSMT4">
                   <p:embed/>
                 </p:oleObj>
               </mc:Choice>
@@ -9557,7 +9682,7 @@
           <a:graphicData uri="http://schemas.openxmlformats.org/presentationml/2006/ole">
             <mc:AlternateContent xmlns:mc="http://schemas.openxmlformats.org/markup-compatibility/2006">
               <mc:Choice xmlns:v="urn:schemas-microsoft-com:vml" Requires="v">
-                <p:oleObj spid="_x0000_s330815" name="Equation" r:id="rId10" imgW="4063680" imgH="571320" progId="Equation.DSMT4">
+                <p:oleObj spid="_x0000_s330824" name="Equation" r:id="rId10" imgW="4063680" imgH="571320" progId="Equation.DSMT4">
                   <p:embed/>
                 </p:oleObj>
               </mc:Choice>
@@ -10131,7 +10256,7 @@
           <a:graphicData uri="http://schemas.openxmlformats.org/presentationml/2006/ole">
             <mc:AlternateContent xmlns:mc="http://schemas.openxmlformats.org/markup-compatibility/2006">
               <mc:Choice xmlns:v="urn:schemas-microsoft-com:vml" Requires="v">
-                <p:oleObj spid="_x0000_s332817" name="Equation" r:id="rId4" imgW="2044700" imgH="965200" progId="Equation.DSMT4">
+                <p:oleObj spid="_x0000_s332820" name="Equation" r:id="rId4" imgW="2044700" imgH="965200" progId="Equation.DSMT4">
                   <p:embed/>
                 </p:oleObj>
               </mc:Choice>
@@ -10182,7 +10307,83 @@
   <p:timing>
     <p:tnLst>
       <p:par>
-        <p:cTn xmlns:p14="http://schemas.microsoft.com/office/powerpoint/2010/main" id="1" dur="indefinite" restart="never" nodeType="tmRoot"/>
+        <p:cTn xmlns:p14="http://schemas.microsoft.com/office/powerpoint/2010/main" id="1" dur="indefinite" restart="never" nodeType="tmRoot">
+          <p:childTnLst>
+            <p:seq concurrent="1" nextAc="seek">
+              <p:cTn id="2" dur="indefinite" nodeType="mainSeq">
+                <p:childTnLst>
+                  <p:par>
+                    <p:cTn id="3" fill="hold">
+                      <p:stCondLst>
+                        <p:cond delay="indefinite"/>
+                      </p:stCondLst>
+                      <p:childTnLst>
+                        <p:par>
+                          <p:cTn id="4" fill="hold">
+                            <p:stCondLst>
+                              <p:cond delay="0"/>
+                            </p:stCondLst>
+                            <p:childTnLst>
+                              <p:par>
+                                <p:cTn id="5" presetID="10" presetClass="entr" presetSubtype="0" fill="hold" nodeType="clickEffect">
+                                  <p:stCondLst>
+                                    <p:cond delay="0"/>
+                                  </p:stCondLst>
+                                  <p:childTnLst>
+                                    <p:set>
+                                      <p:cBhvr>
+                                        <p:cTn id="6" dur="1" fill="hold">
+                                          <p:stCondLst>
+                                            <p:cond delay="0"/>
+                                          </p:stCondLst>
+                                        </p:cTn>
+                                        <p:tgtEl>
+                                          <p:spTgt spid="5"/>
+                                        </p:tgtEl>
+                                        <p:attrNameLst>
+                                          <p:attrName>style.visibility</p:attrName>
+                                        </p:attrNameLst>
+                                      </p:cBhvr>
+                                      <p:to>
+                                        <p:strVal val="visible"/>
+                                      </p:to>
+                                    </p:set>
+                                    <p:animEffect transition="in" filter="fade">
+                                      <p:cBhvr>
+                                        <p:cTn id="7" dur="500"/>
+                                        <p:tgtEl>
+                                          <p:spTgt spid="5"/>
+                                        </p:tgtEl>
+                                      </p:cBhvr>
+                                    </p:animEffect>
+                                  </p:childTnLst>
+                                </p:cTn>
+                              </p:par>
+                            </p:childTnLst>
+                          </p:cTn>
+                        </p:par>
+                      </p:childTnLst>
+                    </p:cTn>
+                  </p:par>
+                </p:childTnLst>
+              </p:cTn>
+              <p:prevCondLst>
+                <p:cond evt="onPrev" delay="0">
+                  <p:tgtEl>
+                    <p:sldTgt/>
+                  </p:tgtEl>
+                </p:cond>
+              </p:prevCondLst>
+              <p:nextCondLst>
+                <p:cond evt="onNext" delay="0">
+                  <p:tgtEl>
+                    <p:sldTgt/>
+                  </p:tgtEl>
+                </p:cond>
+              </p:nextCondLst>
+            </p:seq>
+          </p:childTnLst>
+        </p:cTn>
       </p:par>
     </p:tnLst>
   </p:timing>
@@ -10289,7 +10490,7 @@
           <a:graphicData uri="http://schemas.openxmlformats.org/presentationml/2006/ole">
             <mc:AlternateContent xmlns:mc="http://schemas.openxmlformats.org/markup-compatibility/2006">
               <mc:Choice xmlns:v="urn:schemas-microsoft-com:vml" Requires="v">
-                <p:oleObj spid="_x0000_s234544" name="Equation" r:id="rId4" imgW="2717800" imgH="1511300" progId="Equation.DSMT4">
+                <p:oleObj spid="_x0000_s234547" name="Equation" r:id="rId4" imgW="2717800" imgH="1511300" progId="Equation.DSMT4">
                   <p:embed/>
                 </p:oleObj>
               </mc:Choice>
@@ -10475,9 +10676,88 @@
   <p:timing>
     <p:tnLst>
       <p:par>
-        <p:cTn xmlns:p14="http://schemas.microsoft.com/office/powerpoint/2010/main" id="1" dur="indefinite" restart="never" nodeType="tmRoot"/>
+        <p:cTn xmlns:p14="http://schemas.microsoft.com/office/powerpoint/2010/main" id="1" dur="indefinite" restart="never" nodeType="tmRoot">
+          <p:childTnLst>
+            <p:seq concurrent="1" nextAc="seek">
+              <p:cTn id="2" dur="indefinite" nodeType="mainSeq">
+                <p:childTnLst>
+                  <p:par>
+                    <p:cTn id="3" fill="hold">
+                      <p:stCondLst>
+                        <p:cond delay="indefinite"/>
+                      </p:stCondLst>
+                      <p:childTnLst>
+                        <p:par>
+                          <p:cTn id="4" fill="hold">
+                            <p:stCondLst>
+                              <p:cond delay="0"/>
+                            </p:stCondLst>
+                            <p:childTnLst>
+                              <p:par>
+                                <p:cTn id="5" presetID="10" presetClass="entr" presetSubtype="0" fill="hold" grpId="0" nodeType="clickEffect">
+                                  <p:stCondLst>
+                                    <p:cond delay="0"/>
+                                  </p:stCondLst>
+                                  <p:childTnLst>
+                                    <p:set>
+                                      <p:cBhvr>
+                                        <p:cTn id="6" dur="1" fill="hold">
+                                          <p:stCondLst>
+                                            <p:cond delay="0"/>
+                                          </p:stCondLst>
+                                        </p:cTn>
+                                        <p:tgtEl>
+                                          <p:spTgt spid="7"/>
+                                        </p:tgtEl>
+                                        <p:attrNameLst>
+                                          <p:attrName>style.visibility</p:attrName>
+                                        </p:attrNameLst>
+                                      </p:cBhvr>
+                                      <p:to>
+                                        <p:strVal val="visible"/>
+                                      </p:to>
+                                    </p:set>
+                                    <p:animEffect transition="in" filter="fade">
+                                      <p:cBhvr>
+                                        <p:cTn id="7" dur="500"/>
+                                        <p:tgtEl>
+                                          <p:spTgt spid="7"/>
+                                        </p:tgtEl>
+                                      </p:cBhvr>
+                                    </p:animEffect>
+                                  </p:childTnLst>
+                                </p:cTn>
+                              </p:par>
+                            </p:childTnLst>
+                          </p:cTn>
+                        </p:par>
+                      </p:childTnLst>
+                    </p:cTn>
+                  </p:par>
+                </p:childTnLst>
+              </p:cTn>
+              <p:prevCondLst>
+                <p:cond evt="onPrev" delay="0">
+                  <p:tgtEl>
+                    <p:sldTgt/>
+                  </p:tgtEl>
+                </p:cond>
+              </p:prevCondLst>
+              <p:nextCondLst>
+                <p:cond evt="onNext" delay="0">
+                  <p:tgtEl>
+                    <p:sldTgt/>
+                  </p:tgtEl>
+                </p:cond>
+              </p:nextCondLst>
+            </p:seq>
+          </p:childTnLst>
+        </p:cTn>
       </p:par>
     </p:tnLst>
+    <p:bldLst>
+      <p:bldP spid="7" grpId="0"/>
+    </p:bldLst>
   </p:timing>
 </p:sld>
 </file>
@@ -10789,7 +11069,7 @@
           <a:graphicData uri="http://schemas.openxmlformats.org/presentationml/2006/ole">
             <mc:AlternateContent xmlns:mc="http://schemas.openxmlformats.org/markup-compatibility/2006">
               <mc:Choice xmlns:v="urn:schemas-microsoft-com:vml" Requires="v">
-                <p:oleObj spid="_x0000_s339980" name="Equation" r:id="rId4" imgW="1358900" imgH="495300" progId="Equation.DSMT4">
+                <p:oleObj spid="_x0000_s339983" name="Equation" r:id="rId4" imgW="1358900" imgH="495300" progId="Equation.DSMT4">
                   <p:embed/>
                 </p:oleObj>
               </mc:Choice>
@@ -10834,9 +11114,18 @@
   <p:clrMapOvr>
     <a:masterClrMapping/>
   </p:clrMapOvr>
-  <p:transition xmlns:p14="http://schemas.microsoft.com/office/powerpoint/2010/main" spd="slow" advClick="0">
-    <p:fade/>
-  </p:transition>
+  <mc:AlternateContent xmlns:mc="http://schemas.openxmlformats.org/markup-compatibility/2006">
+    <mc:Choice xmlns:p14="http://schemas.microsoft.com/office/powerpoint/2010/main" Requires="p14">
+      <p:transition spd="med" p14:dur="700" advClick="0">
+        <p:fade/>
+      </p:transition>
+    </mc:Choice>
+    <mc:Fallback>
+      <p:transition xmlns:p14="http://schemas.microsoft.com/office/powerpoint/2010/main" spd="med" advClick="0">
+        <p:fade/>
+      </p:transition>
+    </mc:Fallback>
+  </mc:AlternateContent>
   <p:timing>
     <p:tnLst>
       <p:par>
@@ -10993,7 +11282,7 @@
           <a:graphicData uri="http://schemas.openxmlformats.org/presentationml/2006/ole">
             <mc:AlternateContent xmlns:mc="http://schemas.openxmlformats.org/markup-compatibility/2006">
               <mc:Choice xmlns:v="urn:schemas-microsoft-com:vml" Requires="v">
-                <p:oleObj spid="_x0000_s333837" name="Equation" r:id="rId4" imgW="2095500" imgH="914400" progId="Equation.DSMT4">
+                <p:oleObj spid="_x0000_s333840" name="Equation" r:id="rId4" imgW="2095500" imgH="914400" progId="Equation.DSMT4">
                   <p:embed/>
                 </p:oleObj>
               </mc:Choice>
@@ -11365,7 +11654,7 @@
                             </p:stCondLst>
                             <p:childTnLst>
                               <p:par>
-                                <p:cTn id="5" presetID="1" presetClass="entr" presetSubtype="0" fill="hold" grpId="0" nodeType="clickEffect">
+                                <p:cTn id="5" presetID="10" presetClass="entr" presetSubtype="0" fill="hold" grpId="0" nodeType="clickEffect">
                                   <p:stCondLst>
                                     <p:cond delay="0"/>
                                   </p:stCondLst>
@@ -11392,6 +11681,18 @@
                                         <p:strVal val="visible"/>
                                       </p:to>
                                     </p:set>
+                                    <p:animEffect transition="in" filter="fade">
+                                      <p:cBhvr>
+                                        <p:cTn id="7" dur="500"/>
+                                        <p:tgtEl>
+                                          <p:spTgt spid="5">
+                                            <p:txEl>
+                                              <p:pRg st="1" end="1"/>
+                                            </p:txEl>
+                                          </p:spTgt>
+                                        </p:tgtEl>
+                                      </p:cBhvr>
+                                    </p:animEffect>
                                   </p:childTnLst>
                                 </p:cTn>
                               </p:par>
@@ -11402,26 +11703,26 @@
                     </p:cTn>
                   </p:par>
                   <p:par>
-                    <p:cTn id="7" fill="hold">
+                    <p:cTn id="8" fill="hold">
                       <p:stCondLst>
                         <p:cond delay="indefinite"/>
                       </p:stCondLst>
                       <p:childTnLst>
                         <p:par>
-                          <p:cTn id="8" fill="hold">
+                          <p:cTn id="9" fill="hold">
                             <p:stCondLst>
                               <p:cond delay="0"/>
                             </p:stCondLst>
                             <p:childTnLst>
                               <p:par>
-                                <p:cTn id="9" presetID="1" presetClass="entr" presetSubtype="0" fill="hold" grpId="0" nodeType="clickEffect">
+                                <p:cTn id="10" presetID="10" presetClass="entr" presetSubtype="0" fill="hold" grpId="0" nodeType="clickEffect">
                                   <p:stCondLst>
                                     <p:cond delay="0"/>
                                   </p:stCondLst>
                                   <p:childTnLst>
                                     <p:set>
                                       <p:cBhvr>
-                                        <p:cTn id="10" dur="1" fill="hold">
+                                        <p:cTn id="11" dur="1" fill="hold">
                                           <p:stCondLst>
                                             <p:cond delay="0"/>
                                           </p:stCondLst>
@@ -11441,6 +11742,18 @@
                                         <p:strVal val="visible"/>
                                       </p:to>
                                     </p:set>
+                                    <p:animEffect transition="in" filter="fade">
+                                      <p:cBhvr>
+                                        <p:cTn id="12" dur="500"/>
+                                        <p:tgtEl>
+                                          <p:spTgt spid="5">
+                                            <p:txEl>
+                                              <p:pRg st="2" end="2"/>
+                                            </p:txEl>
+                                          </p:spTgt>
+                                        </p:tgtEl>
+                                      </p:cBhvr>
+                                    </p:animEffect>
                                   </p:childTnLst>
                                 </p:cTn>
                               </p:par>
@@ -11451,26 +11764,26 @@
                     </p:cTn>
                   </p:par>
                   <p:par>
-                    <p:cTn id="11" fill="hold">
+                    <p:cTn id="13" fill="hold">
                       <p:stCondLst>
                         <p:cond delay="indefinite"/>
                       </p:stCondLst>
                       <p:childTnLst>
                         <p:par>
-                          <p:cTn id="12" fill="hold">
+                          <p:cTn id="14" fill="hold">
                             <p:stCondLst>
                               <p:cond delay="0"/>
                             </p:stCondLst>
                             <p:childTnLst>
                               <p:par>
-                                <p:cTn id="13" presetID="1" presetClass="entr" presetSubtype="0" fill="hold" grpId="0" nodeType="clickEffect">
+                                <p:cTn id="15" presetID="10" presetClass="entr" presetSubtype="0" fill="hold" grpId="0" nodeType="clickEffect">
                                   <p:stCondLst>
                                     <p:cond delay="0"/>
                                   </p:stCondLst>
                                   <p:childTnLst>
                                     <p:set>
                                       <p:cBhvr>
-                                        <p:cTn id="14" dur="1" fill="hold">
+                                        <p:cTn id="16" dur="1" fill="hold">
                                           <p:stCondLst>
                                             <p:cond delay="0"/>
                                           </p:stCondLst>
@@ -11490,6 +11803,18 @@
                                         <p:strVal val="visible"/>
                                       </p:to>
                                     </p:set>
+                                    <p:animEffect transition="in" filter="fade">
+                                      <p:cBhvr>
+                                        <p:cTn id="17" dur="500"/>
+                                        <p:tgtEl>
+                                          <p:spTgt spid="5">
+                                            <p:txEl>
+                                              <p:pRg st="3" end="3"/>
+                                            </p:txEl>
+                                          </p:spTgt>
+                                        </p:tgtEl>
+                                      </p:cBhvr>
+                                    </p:animEffect>
                                   </p:childTnLst>
                                 </p:cTn>
                               </p:par>
@@ -12311,7 +12636,7 @@
           <a:graphicData uri="http://schemas.openxmlformats.org/presentationml/2006/ole">
             <mc:AlternateContent xmlns:mc="http://schemas.openxmlformats.org/markup-compatibility/2006">
               <mc:Choice xmlns:v="urn:schemas-microsoft-com:vml" Requires="v">
-                <p:oleObj spid="_x0000_s82123" name="Equation" r:id="rId3" imgW="3454200" imgH="1396800" progId="Equation.DSMT4">
+                <p:oleObj spid="_x0000_s82148" name="Equation" r:id="rId3" imgW="3454200" imgH="1396800" progId="Equation.DSMT4">
                   <p:embed/>
                 </p:oleObj>
               </mc:Choice>
@@ -12499,7 +12824,7 @@
           <a:graphicData uri="http://schemas.openxmlformats.org/presentationml/2006/ole">
             <mc:AlternateContent xmlns:mc="http://schemas.openxmlformats.org/markup-compatibility/2006">
               <mc:Choice xmlns:v="urn:schemas-microsoft-com:vml" Requires="v">
-                <p:oleObj spid="_x0000_s82124" name="Equation" r:id="rId5" imgW="2895480" imgH="647640" progId="Equation.DSMT4">
+                <p:oleObj spid="_x0000_s82149" name="Equation" r:id="rId5" imgW="2895480" imgH="647640" progId="Equation.DSMT4">
                   <p:embed/>
                 </p:oleObj>
               </mc:Choice>
@@ -12569,7 +12894,7 @@
           <a:graphicData uri="http://schemas.openxmlformats.org/presentationml/2006/ole">
             <mc:AlternateContent xmlns:mc="http://schemas.openxmlformats.org/markup-compatibility/2006">
               <mc:Choice xmlns:v="urn:schemas-microsoft-com:vml" Requires="v">
-                <p:oleObj spid="_x0000_s82125" name="Equation" r:id="rId7" imgW="1295280" imgH="609480" progId="Equation.DSMT4">
+                <p:oleObj spid="_x0000_s82150" name="Equation" r:id="rId7" imgW="1295280" imgH="609480" progId="Equation.DSMT4">
                   <p:embed/>
                 </p:oleObj>
               </mc:Choice>
@@ -12639,7 +12964,7 @@
           <a:graphicData uri="http://schemas.openxmlformats.org/presentationml/2006/ole">
             <mc:AlternateContent xmlns:mc="http://schemas.openxmlformats.org/markup-compatibility/2006">
               <mc:Choice xmlns:v="urn:schemas-microsoft-com:vml" Requires="v">
-                <p:oleObj spid="_x0000_s82126" name="Equation" r:id="rId9" imgW="1295280" imgH="609480" progId="Equation.DSMT4">
+                <p:oleObj spid="_x0000_s82151" name="Equation" r:id="rId9" imgW="1295280" imgH="609480" progId="Equation.DSMT4">
                   <p:embed/>
                 </p:oleObj>
               </mc:Choice>
@@ -12709,7 +13034,7 @@
           <a:graphicData uri="http://schemas.openxmlformats.org/presentationml/2006/ole">
             <mc:AlternateContent xmlns:mc="http://schemas.openxmlformats.org/markup-compatibility/2006">
               <mc:Choice xmlns:v="urn:schemas-microsoft-com:vml" Requires="v">
-                <p:oleObj spid="_x0000_s82127" name="Equation" r:id="rId11" imgW="1295280" imgH="622080" progId="Equation.DSMT4">
+                <p:oleObj spid="_x0000_s82152" name="Equation" r:id="rId11" imgW="1295280" imgH="622080" progId="Equation.DSMT4">
                   <p:embed/>
                 </p:oleObj>
               </mc:Choice>
@@ -12779,7 +13104,7 @@
           <a:graphicData uri="http://schemas.openxmlformats.org/presentationml/2006/ole">
             <mc:AlternateContent xmlns:mc="http://schemas.openxmlformats.org/markup-compatibility/2006">
               <mc:Choice xmlns:v="urn:schemas-microsoft-com:vml" Requires="v">
-                <p:oleObj spid="_x0000_s82128" name="Equation" r:id="rId13" imgW="1892160" imgH="1346040" progId="Equation.DSMT4">
+                <p:oleObj spid="_x0000_s82153" name="Equation" r:id="rId13" imgW="1892160" imgH="1346040" progId="Equation.DSMT4">
                   <p:embed/>
                 </p:oleObj>
               </mc:Choice>
@@ -12863,7 +13188,7 @@
             <a:graphicData uri="http://schemas.openxmlformats.org/presentationml/2006/ole">
               <mc:AlternateContent xmlns:mc="http://schemas.openxmlformats.org/markup-compatibility/2006">
                 <mc:Choice xmlns:v="urn:schemas-microsoft-com:vml" Requires="v">
-                  <p:oleObj spid="_x0000_s82129" name="Equation" r:id="rId15" imgW="545760" imgH="3124080" progId="Equation.DSMT4">
+                  <p:oleObj spid="_x0000_s82154" name="Equation" r:id="rId15" imgW="545760" imgH="3124080" progId="Equation.DSMT4">
                     <p:embed/>
                   </p:oleObj>
                 </mc:Choice>
@@ -12933,7 +13258,7 @@
             <a:graphicData uri="http://schemas.openxmlformats.org/presentationml/2006/ole">
               <mc:AlternateContent xmlns:mc="http://schemas.openxmlformats.org/markup-compatibility/2006">
                 <mc:Choice xmlns:v="urn:schemas-microsoft-com:vml" Requires="v">
-                  <p:oleObj spid="_x0000_s82130" name="Equation" r:id="rId17" imgW="4076640" imgH="660240" progId="Equation.DSMT4">
+                  <p:oleObj spid="_x0000_s82155" name="Equation" r:id="rId17" imgW="4076640" imgH="660240" progId="Equation.DSMT4">
                     <p:embed/>
                   </p:oleObj>
                 </mc:Choice>
@@ -13142,7 +13467,7 @@
                             </p:stCondLst>
                             <p:childTnLst>
                               <p:par>
-                                <p:cTn id="12" presetID="1" presetClass="entr" presetSubtype="0" fill="hold" nodeType="clickEffect">
+                                <p:cTn id="12" presetID="10" presetClass="entr" presetSubtype="0" fill="hold" nodeType="clickEffect">
                                   <p:stCondLst>
                                     <p:cond delay="0"/>
                                   </p:stCondLst>
@@ -13165,6 +13490,14 @@
                                         <p:strVal val="visible"/>
                                       </p:to>
                                     </p:set>
+                                    <p:animEffect transition="in" filter="fade">
+                                      <p:cBhvr>
+                                        <p:cTn id="14" dur="500"/>
+                                        <p:tgtEl>
+                                          <p:spTgt spid="81931"/>
+                                        </p:tgtEl>
+                                      </p:cBhvr>
+                                    </p:animEffect>
                                   </p:childTnLst>
                                 </p:cTn>
                               </p:par>
@@ -13175,26 +13508,26 @@
                     </p:cTn>
                   </p:par>
                   <p:par>
-                    <p:cTn id="14" fill="hold">
+                    <p:cTn id="15" fill="hold">
                       <p:stCondLst>
                         <p:cond delay="indefinite"/>
                       </p:stCondLst>
                       <p:childTnLst>
                         <p:par>
-                          <p:cTn id="15" fill="hold">
+                          <p:cTn id="16" fill="hold">
                             <p:stCondLst>
                               <p:cond delay="0"/>
                             </p:stCondLst>
                             <p:childTnLst>
                               <p:par>
-                                <p:cTn id="16" presetID="1" presetClass="entr" presetSubtype="0" fill="hold" nodeType="clickEffect">
+                                <p:cTn id="17" presetID="10" presetClass="entr" presetSubtype="0" fill="hold" nodeType="clickEffect">
                                   <p:stCondLst>
                                     <p:cond delay="0"/>
                                   </p:stCondLst>
                                   <p:childTnLst>
                                     <p:set>
                                       <p:cBhvr>
-                                        <p:cTn id="17" dur="1" fill="hold">
+                                        <p:cTn id="18" dur="1" fill="hold">
                                           <p:stCondLst>
                                             <p:cond delay="0"/>
                                           </p:stCondLst>
@@ -13210,6 +13543,14 @@
                                         <p:strVal val="visible"/>
                                       </p:to>
                                     </p:set>
+                                    <p:animEffect transition="in" filter="fade">
+                                      <p:cBhvr>
+                                        <p:cTn id="19" dur="500"/>
+                                        <p:tgtEl>
+                                          <p:spTgt spid="81930"/>
+                                        </p:tgtEl>
+                                      </p:cBhvr>
+                                    </p:animEffect>
                                   </p:childTnLst>
                                 </p:cTn>
                               </p:par>
@@ -13220,26 +13561,26 @@
                     </p:cTn>
                   </p:par>
                   <p:par>
-                    <p:cTn id="18" fill="hold">
+                    <p:cTn id="20" fill="hold">
                       <p:stCondLst>
                         <p:cond delay="indefinite"/>
                       </p:stCondLst>
                       <p:childTnLst>
                         <p:par>
-                          <p:cTn id="19" fill="hold">
+                          <p:cTn id="21" fill="hold">
                             <p:stCondLst>
                               <p:cond delay="0"/>
                             </p:stCondLst>
                             <p:childTnLst>
                               <p:par>
-                                <p:cTn id="20" presetID="1" presetClass="entr" presetSubtype="0" fill="hold" nodeType="clickEffect">
+                                <p:cTn id="22" presetID="10" presetClass="entr" presetSubtype="0" fill="hold" nodeType="clickEffect">
                                   <p:stCondLst>
                                     <p:cond delay="0"/>
                                   </p:stCondLst>
                                   <p:childTnLst>
                                     <p:set>
                                       <p:cBhvr>
-                                        <p:cTn id="21" dur="1" fill="hold">
+                                        <p:cTn id="23" dur="1" fill="hold">
                                           <p:stCondLst>
                                             <p:cond delay="0"/>
                                           </p:stCondLst>
@@ -13255,6 +13596,14 @@
                                         <p:strVal val="visible"/>
                                       </p:to>
                                     </p:set>
+                                    <p:animEffect transition="in" filter="fade">
+                                      <p:cBhvr>
+                                        <p:cTn id="24" dur="500"/>
+                                        <p:tgtEl>
+                                          <p:spTgt spid="81929"/>
+                                        </p:tgtEl>
+                                      </p:cBhvr>
+                                    </p:animEffect>
                                   </p:childTnLst>
                                 </p:cTn>
                               </p:par>
@@ -13265,26 +13614,26 @@
                     </p:cTn>
                   </p:par>
                   <p:par>
-                    <p:cTn id="22" fill="hold">
+                    <p:cTn id="25" fill="hold">
                       <p:stCondLst>
                         <p:cond delay="indefinite"/>
                       </p:stCondLst>
                       <p:childTnLst>
                         <p:par>
-                          <p:cTn id="23" fill="hold">
+                          <p:cTn id="26" fill="hold">
                             <p:stCondLst>
                               <p:cond delay="0"/>
                             </p:stCondLst>
                             <p:childTnLst>
                               <p:par>
-                                <p:cTn id="24" presetID="1" presetClass="entr" presetSubtype="0" fill="hold" nodeType="clickEffect">
+                                <p:cTn id="27" presetID="10" presetClass="entr" presetSubtype="0" fill="hold" nodeType="clickEffect">
                                   <p:stCondLst>
                                     <p:cond delay="0"/>
                                   </p:stCondLst>
                                   <p:childTnLst>
                                     <p:set>
                                       <p:cBhvr>
-                                        <p:cTn id="25" dur="1" fill="hold">
+                                        <p:cTn id="28" dur="1" fill="hold">
                                           <p:stCondLst>
                                             <p:cond delay="0"/>
                                           </p:stCondLst>
@@ -13300,6 +13649,14 @@
                                         <p:strVal val="visible"/>
                                       </p:to>
                                     </p:set>
+                                    <p:animEffect transition="in" filter="fade">
+                                      <p:cBhvr>
+                                        <p:cTn id="29" dur="500"/>
+                                        <p:tgtEl>
+                                          <p:spTgt spid="81928"/>
+                                        </p:tgtEl>
+                                      </p:cBhvr>
+                                    </p:animEffect>
                                   </p:childTnLst>
                                 </p:cTn>
                               </p:par>
@@ -13310,26 +13667,26 @@
                     </p:cTn>
                   </p:par>
                   <p:par>
-                    <p:cTn id="26" fill="hold">
+                    <p:cTn id="30" fill="hold">
                       <p:stCondLst>
                         <p:cond delay="indefinite"/>
                       </p:stCondLst>
                       <p:childTnLst>
                         <p:par>
-                          <p:cTn id="27" fill="hold">
+                          <p:cTn id="31" fill="hold">
                             <p:stCondLst>
                               <p:cond delay="0"/>
                             </p:stCondLst>
                             <p:childTnLst>
                               <p:par>
-                                <p:cTn id="28" presetID="53" presetClass="entr" presetSubtype="0" fill="hold" nodeType="clickEffect">
+                                <p:cTn id="32" presetID="53" presetClass="entr" presetSubtype="0" fill="hold" nodeType="clickEffect">
                                   <p:stCondLst>
                                     <p:cond delay="0"/>
                                   </p:stCondLst>
                                   <p:childTnLst>
                                     <p:set>
                                       <p:cBhvr>
-                                        <p:cTn id="29" dur="1" fill="hold">
+                                        <p:cTn id="33" dur="1" fill="hold">
                                           <p:stCondLst>
                                             <p:cond delay="0"/>
                                           </p:stCondLst>
@@ -13347,7 +13704,7 @@
                                     </p:set>
                                     <p:anim calcmode="lin" valueType="num">
                                       <p:cBhvr>
-                                        <p:cTn id="30" dur="500" fill="hold"/>
+                                        <p:cTn id="34" dur="500" fill="hold"/>
                                         <p:tgtEl>
                                           <p:spTgt spid="25"/>
                                         </p:tgtEl>
@@ -13370,7 +13727,7 @@
                                     </p:anim>
                                     <p:anim calcmode="lin" valueType="num">
                                       <p:cBhvr>
-                                        <p:cTn id="31" dur="500" fill="hold"/>
+                                        <p:cTn id="35" dur="500" fill="hold"/>
                                         <p:tgtEl>
                                           <p:spTgt spid="25"/>
                                         </p:tgtEl>
@@ -13393,7 +13750,7 @@
                                     </p:anim>
                                     <p:animEffect transition="in" filter="fade">
                                       <p:cBhvr>
-                                        <p:cTn id="32" dur="500"/>
+                                        <p:cTn id="36" dur="500"/>
                                         <p:tgtEl>
                                           <p:spTgt spid="25"/>
                                         </p:tgtEl>
@@ -13409,26 +13766,26 @@
                     </p:cTn>
                   </p:par>
                   <p:par>
-                    <p:cTn id="33" fill="hold">
+                    <p:cTn id="37" fill="hold">
                       <p:stCondLst>
                         <p:cond delay="indefinite"/>
                       </p:stCondLst>
                       <p:childTnLst>
                         <p:par>
-                          <p:cTn id="34" fill="hold">
+                          <p:cTn id="38" fill="hold">
                             <p:stCondLst>
                               <p:cond delay="0"/>
                             </p:stCondLst>
                             <p:childTnLst>
                               <p:par>
-                                <p:cTn id="35" presetID="3" presetClass="entr" presetSubtype="10" fill="hold" nodeType="clickEffect">
+                                <p:cTn id="39" presetID="22" presetClass="entr" presetSubtype="8" fill="hold" nodeType="clickEffect">
                                   <p:stCondLst>
                                     <p:cond delay="0"/>
                                   </p:stCondLst>
                                   <p:childTnLst>
                                     <p:set>
                                       <p:cBhvr>
-                                        <p:cTn id="36" dur="1" fill="hold">
+                                        <p:cTn id="40" dur="1" fill="hold">
                                           <p:stCondLst>
                                             <p:cond delay="0"/>
                                           </p:stCondLst>
@@ -13444,9 +13801,9 @@
                                         <p:strVal val="visible"/>
                                       </p:to>
                                     </p:set>
-                                    <p:animEffect transition="in" filter="blinds(horizontal)">
+                                    <p:animEffect transition="in" filter="wipe(left)">
                                       <p:cBhvr>
-                                        <p:cTn id="37" dur="500"/>
+                                        <p:cTn id="41" dur="1000"/>
                                         <p:tgtEl>
                                           <p:spTgt spid="23"/>
                                         </p:tgtEl>
@@ -13541,10 +13898,22 @@
             </a:r>
             <a:r>
               <a:rPr lang="en-US" sz="4000" dirty="0" smtClean="0"/>
-              <a:t> apples:  </a:t>
-            </a:r>
-            <a:r>
-              <a:rPr lang="en-US" sz="4000" dirty="0" err="1" smtClean="0"/>
+              <a:t> apples</a:t>
+            </a:r>
+            <a:r>
+              <a:rPr lang="en-US" sz="4000" dirty="0" smtClean="0">
+                <a:solidFill>
+                  <a:srgbClr val="008000"/>
+                </a:solidFill>
+              </a:rPr>
+              <a:t>:  </a:t>
+            </a:r>
+            <a:r>
+              <a:rPr lang="en-US" sz="4000" dirty="0" err="1" smtClean="0">
+                <a:solidFill>
+                  <a:srgbClr val="008000"/>
+                </a:solidFill>
+              </a:rPr>
               <a:t>a</a:t>
             </a:r>
             <a:r>
@@ -13657,25 +14026,25 @@
           <p:nvPr>
             <p:extLst>
               <p:ext uri="{D42A27DB-BD31-4B8C-83A1-F6EECF244321}">
-                <p14:modId xmlns:p14="http://schemas.microsoft.com/office/powerpoint/2010/main" val="3746895832"/>
+                <p14:modId xmlns:p14="http://schemas.microsoft.com/office/powerpoint/2010/main" val="3301363832"/>
               </p:ext>
             </p:extLst>
           </p:nvPr>
         </p:nvGraphicFramePr>
         <p:xfrm>
-          <a:off x="422275" y="2900363"/>
-          <a:ext cx="8310563" cy="2973387"/>
+          <a:off x="450850" y="2776538"/>
+          <a:ext cx="8253413" cy="3222625"/>
         </p:xfrm>
         <a:graphic>
           <a:graphicData uri="http://schemas.openxmlformats.org/presentationml/2006/ole">
             <mc:AlternateContent xmlns:mc="http://schemas.openxmlformats.org/markup-compatibility/2006">
               <mc:Choice xmlns:v="urn:schemas-microsoft-com:vml" Requires="v">
-                <p:oleObj spid="_x0000_s82989" name="Equation" r:id="rId4" imgW="5499100" imgH="1968500" progId="Equation.3">
+                <p:oleObj spid="_x0000_s82993" name="Equation" r:id="rId4" imgW="5461000" imgH="2133600" progId="Equation.DSMT4">
                   <p:embed/>
                 </p:oleObj>
               </mc:Choice>
               <mc:Fallback>
-                <p:oleObj name="Equation" r:id="rId4" imgW="5499100" imgH="1968500" progId="Equation.3">
+                <p:oleObj name="Equation" r:id="rId4" imgW="5461000" imgH="2133600" progId="Equation.DSMT4">
                   <p:embed/>
                   <p:pic>
                     <p:nvPicPr>
@@ -13694,8 +14063,8 @@
                     </p:blipFill>
                     <p:spPr bwMode="auto">
                       <a:xfrm>
-                        <a:off x="422275" y="2900363"/>
-                        <a:ext cx="8310563" cy="2973387"/>
+                        <a:off x="450850" y="2776538"/>
+                        <a:ext cx="8253413" cy="3222625"/>
                       </a:xfrm>
                       <a:prstGeom prst="rect">
                         <a:avLst/>
@@ -13877,7 +14246,7 @@
           <a:graphicData uri="http://schemas.openxmlformats.org/presentationml/2006/ole">
             <mc:AlternateContent xmlns:mc="http://schemas.openxmlformats.org/markup-compatibility/2006">
               <mc:Choice xmlns:v="urn:schemas-microsoft-com:vml" Requires="v">
-                <p:oleObj spid="_x0000_s135280" name="Equation" r:id="rId4" imgW="8013700" imgH="1562100" progId="Equation.DSMT4">
+                <p:oleObj spid="_x0000_s135289" name="Equation" r:id="rId4" imgW="8013700" imgH="1562100" progId="Equation.DSMT4">
                   <p:embed/>
                 </p:oleObj>
               </mc:Choice>
@@ -13947,7 +14316,7 @@
           <a:graphicData uri="http://schemas.openxmlformats.org/presentationml/2006/ole">
             <mc:AlternateContent xmlns:mc="http://schemas.openxmlformats.org/markup-compatibility/2006">
               <mc:Choice xmlns:v="urn:schemas-microsoft-com:vml" Requires="v">
-                <p:oleObj spid="_x0000_s135281" name="Equation" r:id="rId6" imgW="8280400" imgH="1574800" progId="Equation.3">
+                <p:oleObj spid="_x0000_s135290" name="Equation" r:id="rId6" imgW="8280400" imgH="1574800" progId="Equation.3">
                   <p:embed/>
                 </p:oleObj>
               </mc:Choice>
@@ -14095,7 +14464,7 @@
           <a:graphicData uri="http://schemas.openxmlformats.org/presentationml/2006/ole">
             <mc:AlternateContent xmlns:mc="http://schemas.openxmlformats.org/markup-compatibility/2006">
               <mc:Choice xmlns:v="urn:schemas-microsoft-com:vml" Requires="v">
-                <p:oleObj spid="_x0000_s135282" name="Equation" r:id="rId8" imgW="5168900" imgH="1574800" progId="Equation.3">
+                <p:oleObj spid="_x0000_s135291" name="Equation" r:id="rId8" imgW="5168900" imgH="1574800" progId="Equation.3">
                   <p:embed/>
                 </p:oleObj>
               </mc:Choice>
@@ -14165,7 +14534,7 @@
           <a:graphicData uri="http://schemas.openxmlformats.org/presentationml/2006/ole">
             <mc:AlternateContent xmlns:mc="http://schemas.openxmlformats.org/markup-compatibility/2006">
               <mc:Choice xmlns:v="urn:schemas-microsoft-com:vml" Requires="v">
-                <p:oleObj spid="_x0000_s135283" name="Equation" r:id="rId10" imgW="7632700" imgH="1511300" progId="Equation.3">
+                <p:oleObj spid="_x0000_s135292" name="Equation" r:id="rId10" imgW="7632700" imgH="1511300" progId="Equation.3">
                   <p:embed/>
                 </p:oleObj>
               </mc:Choice>
@@ -14757,7 +15126,7 @@
           <a:graphicData uri="http://schemas.openxmlformats.org/presentationml/2006/ole">
             <mc:AlternateContent xmlns:mc="http://schemas.openxmlformats.org/markup-compatibility/2006">
               <mc:Choice xmlns:v="urn:schemas-microsoft-com:vml" Requires="v">
-                <p:oleObj spid="_x0000_s84031" name="Equation" r:id="rId4" imgW="7251700" imgH="1092200" progId="Equation.3">
+                <p:oleObj spid="_x0000_s84036" name="Equation" r:id="rId4" imgW="7251700" imgH="1092200" progId="Equation.3">
                   <p:embed/>
                 </p:oleObj>
               </mc:Choice>
@@ -14821,7 +15190,7 @@
           <a:graphicData uri="http://schemas.openxmlformats.org/presentationml/2006/ole">
             <mc:AlternateContent xmlns:mc="http://schemas.openxmlformats.org/markup-compatibility/2006">
               <mc:Choice xmlns:v="urn:schemas-microsoft-com:vml" Requires="v">
-                <p:oleObj spid="_x0000_s84032" name="Equation" r:id="rId6" imgW="3390840" imgH="1269720" progId="Equation.DSMT4">
+                <p:oleObj spid="_x0000_s84037" name="Equation" r:id="rId6" imgW="3390840" imgH="1269720" progId="Equation.DSMT4">
                   <p:embed/>
                 </p:oleObj>
               </mc:Choice>
@@ -15101,7 +15470,7 @@
           <a:graphicData uri="http://schemas.openxmlformats.org/presentationml/2006/ole">
             <mc:AlternateContent xmlns:mc="http://schemas.openxmlformats.org/markup-compatibility/2006">
               <mc:Choice xmlns:v="urn:schemas-microsoft-com:vml" Requires="v">
-                <p:oleObj spid="_x0000_s85076" name="Equation" r:id="rId4" imgW="3479760" imgH="1269720" progId="Equation.DSMT4">
+                <p:oleObj spid="_x0000_s85083" name="Equation" r:id="rId4" imgW="3479760" imgH="1269720" progId="Equation.DSMT4">
                   <p:embed/>
                 </p:oleObj>
               </mc:Choice>
@@ -15171,7 +15540,7 @@
           <a:graphicData uri="http://schemas.openxmlformats.org/presentationml/2006/ole">
             <mc:AlternateContent xmlns:mc="http://schemas.openxmlformats.org/markup-compatibility/2006">
               <mc:Choice xmlns:v="urn:schemas-microsoft-com:vml" Requires="v">
-                <p:oleObj spid="_x0000_s85077" name="Equation" r:id="rId6" imgW="3251160" imgH="1269720" progId="Equation.DSMT4">
+                <p:oleObj spid="_x0000_s85084" name="Equation" r:id="rId6" imgW="3251160" imgH="1269720" progId="Equation.DSMT4">
                   <p:embed/>
                 </p:oleObj>
               </mc:Choice>
@@ -15241,7 +15610,7 @@
           <a:graphicData uri="http://schemas.openxmlformats.org/presentationml/2006/ole">
             <mc:AlternateContent xmlns:mc="http://schemas.openxmlformats.org/markup-compatibility/2006">
               <mc:Choice xmlns:v="urn:schemas-microsoft-com:vml" Requires="v">
-                <p:oleObj spid="_x0000_s85078" name="Equation" r:id="rId8" imgW="3504960" imgH="1346040" progId="Equation.DSMT4">
+                <p:oleObj spid="_x0000_s85085" name="Equation" r:id="rId8" imgW="3504960" imgH="1346040" progId="Equation.DSMT4">
                   <p:embed/>
                 </p:oleObj>
               </mc:Choice>

--- a/spring13/slides13/genfunccount.pptx
+++ b/spring13/slides13/genfunccount.pptx
@@ -4333,7 +4333,7 @@
           <a:graphicData uri="http://schemas.openxmlformats.org/presentationml/2006/ole">
             <mc:AlternateContent xmlns:mc="http://schemas.openxmlformats.org/markup-compatibility/2006">
               <mc:Choice xmlns:v="urn:schemas-microsoft-com:vml" Requires="v">
-                <p:oleObj spid="_x0000_s181321" name="Equation" r:id="rId3" imgW="165100" imgH="673100" progId="Equation.DSMT4">
+                <p:oleObj spid="_x0000_s181324" name="Equation" r:id="rId3" imgW="165100" imgH="673100" progId="Equation.DSMT4">
                   <p:embed/>
                 </p:oleObj>
               </mc:Choice>
@@ -4611,7 +4611,7 @@
           <a:graphicData uri="http://schemas.openxmlformats.org/presentationml/2006/ole">
             <mc:AlternateContent xmlns:mc="http://schemas.openxmlformats.org/markup-compatibility/2006">
               <mc:Choice xmlns:v="urn:schemas-microsoft-com:vml" Requires="v">
-                <p:oleObj spid="_x0000_s181322" name="Equation" r:id="rId5" imgW="165100" imgH="673100" progId="Equation.DSMT4">
+                <p:oleObj spid="_x0000_s181325" name="Equation" r:id="rId5" imgW="165100" imgH="673100" progId="Equation.DSMT4">
                   <p:embed/>
                 </p:oleObj>
               </mc:Choice>
@@ -5939,7 +5939,7 @@
           <a:graphicData uri="http://schemas.openxmlformats.org/presentationml/2006/ole">
             <mc:AlternateContent xmlns:mc="http://schemas.openxmlformats.org/markup-compatibility/2006">
               <mc:Choice xmlns:v="urn:schemas-microsoft-com:vml" Requires="v">
-                <p:oleObj spid="_x0000_s164904" name="Equation" r:id="rId3" imgW="8013700" imgH="939800" progId="Equation.DSMT4">
+                <p:oleObj spid="_x0000_s164906" name="Equation" r:id="rId3" imgW="8013700" imgH="939800" progId="Equation.DSMT4">
                   <p:embed/>
                 </p:oleObj>
               </mc:Choice>
@@ -6400,7 +6400,7 @@
           <a:graphicData uri="http://schemas.openxmlformats.org/presentationml/2006/ole">
             <mc:AlternateContent xmlns:mc="http://schemas.openxmlformats.org/markup-compatibility/2006">
               <mc:Choice xmlns:v="urn:schemas-microsoft-com:vml" Requires="v">
-                <p:oleObj spid="_x0000_s230501" name="Equation" r:id="rId3" imgW="7543800" imgH="939800" progId="Equation.3">
+                <p:oleObj spid="_x0000_s230505" name="Equation" r:id="rId3" imgW="7543800" imgH="939800" progId="Equation.3">
                   <p:embed/>
                 </p:oleObj>
               </mc:Choice>
@@ -6461,7 +6461,7 @@
           <a:graphicData uri="http://schemas.openxmlformats.org/presentationml/2006/ole">
             <mc:AlternateContent xmlns:mc="http://schemas.openxmlformats.org/markup-compatibility/2006">
               <mc:Choice xmlns:v="urn:schemas-microsoft-com:vml" Requires="v">
-                <p:oleObj spid="_x0000_s230502" name="Equation" r:id="rId5" imgW="8178800" imgH="774700" progId="Equation.3">
+                <p:oleObj spid="_x0000_s230506" name="Equation" r:id="rId5" imgW="8178800" imgH="774700" progId="Equation.3">
                   <p:embed/>
                 </p:oleObj>
               </mc:Choice>
@@ -6522,7 +6522,7 @@
           <a:graphicData uri="http://schemas.openxmlformats.org/presentationml/2006/ole">
             <mc:AlternateContent xmlns:mc="http://schemas.openxmlformats.org/markup-compatibility/2006">
               <mc:Choice xmlns:v="urn:schemas-microsoft-com:vml" Requires="v">
-                <p:oleObj spid="_x0000_s230503" name="Equation" r:id="rId7" imgW="7810500" imgH="762000" progId="Equation.DSMT4">
+                <p:oleObj spid="_x0000_s230507" name="Equation" r:id="rId7" imgW="7810500" imgH="762000" progId="Equation.DSMT4">
                   <p:embed/>
                 </p:oleObj>
               </mc:Choice>
@@ -7002,7 +7002,7 @@
           <a:graphicData uri="http://schemas.openxmlformats.org/presentationml/2006/ole">
             <mc:AlternateContent xmlns:mc="http://schemas.openxmlformats.org/markup-compatibility/2006">
               <mc:Choice xmlns:v="urn:schemas-microsoft-com:vml" Requires="v">
-                <p:oleObj spid="_x0000_s320553" name="Equation" r:id="rId3" imgW="762000" imgH="469900" progId="Equation.DSMT4">
+                <p:oleObj spid="_x0000_s320555" name="Equation" r:id="rId3" imgW="762000" imgH="469900" progId="Equation.DSMT4">
                   <p:embed/>
                 </p:oleObj>
               </mc:Choice>
@@ -7719,7 +7719,7 @@
           <a:graphicData uri="http://schemas.openxmlformats.org/presentationml/2006/ole">
             <mc:AlternateContent xmlns:mc="http://schemas.openxmlformats.org/markup-compatibility/2006">
               <mc:Choice xmlns:v="urn:schemas-microsoft-com:vml" Requires="v">
-                <p:oleObj spid="_x0000_s1028" name="Equation" r:id="rId4" imgW="6603840" imgH="2920680" progId="Equation.DSMT4">
+                <p:oleObj spid="_x0000_s1030" name="Equation" r:id="rId4" imgW="6603840" imgH="2920680" progId="Equation.DSMT4">
                   <p:embed/>
                 </p:oleObj>
               </mc:Choice>
@@ -7976,7 +7976,7 @@
           <a:graphicData uri="http://schemas.openxmlformats.org/presentationml/2006/ole">
             <mc:AlternateContent xmlns:mc="http://schemas.openxmlformats.org/markup-compatibility/2006">
               <mc:Choice xmlns:v="urn:schemas-microsoft-com:vml" Requires="v">
-                <p:oleObj spid="_x0000_s340997" name="Equation" r:id="rId4" imgW="6489700" imgH="850900" progId="Equation.DSMT4">
+                <p:oleObj spid="_x0000_s340999" name="Equation" r:id="rId4" imgW="6489700" imgH="850900" progId="Equation.DSMT4">
                   <p:embed/>
                 </p:oleObj>
               </mc:Choice>
@@ -8089,15 +8089,7 @@
             </a:r>
             <a:r>
               <a:rPr lang="en-US" sz="4800" dirty="0" smtClean="0"/>
-              <a:t>)</a:t>
-            </a:r>
-            <a:r>
-              <a:rPr lang="en-US" sz="4800" dirty="0" smtClean="0"/>
-              <a:t> </a:t>
-            </a:r>
-            <a:r>
-              <a:rPr lang="en-US" sz="4800" dirty="0" smtClean="0"/>
-              <a:t>bananas and </a:t>
+              <a:t>) bananas and </a:t>
             </a:r>
             <a:r>
               <a:rPr lang="en-US" sz="4800" dirty="0">
@@ -8165,9 +8157,88 @@
   <p:timing>
     <p:tnLst>
       <p:par>
-        <p:cTn xmlns:p14="http://schemas.microsoft.com/office/powerpoint/2010/main" id="1" dur="indefinite" restart="never" nodeType="tmRoot"/>
+        <p:cTn xmlns:p14="http://schemas.microsoft.com/office/powerpoint/2010/main" id="1" dur="indefinite" restart="never" nodeType="tmRoot">
+          <p:childTnLst>
+            <p:seq concurrent="1" nextAc="seek">
+              <p:cTn id="2" dur="indefinite" nodeType="mainSeq">
+                <p:childTnLst>
+                  <p:par>
+                    <p:cTn id="3" fill="hold">
+                      <p:stCondLst>
+                        <p:cond delay="indefinite"/>
+                      </p:stCondLst>
+                      <p:childTnLst>
+                        <p:par>
+                          <p:cTn id="4" fill="hold">
+                            <p:stCondLst>
+                              <p:cond delay="0"/>
+                            </p:stCondLst>
+                            <p:childTnLst>
+                              <p:par>
+                                <p:cTn id="5" presetID="10" presetClass="entr" presetSubtype="0" fill="hold" grpId="0" nodeType="clickEffect">
+                                  <p:stCondLst>
+                                    <p:cond delay="0"/>
+                                  </p:stCondLst>
+                                  <p:childTnLst>
+                                    <p:set>
+                                      <p:cBhvr>
+                                        <p:cTn id="6" dur="1" fill="hold">
+                                          <p:stCondLst>
+                                            <p:cond delay="0"/>
+                                          </p:stCondLst>
+                                        </p:cTn>
+                                        <p:tgtEl>
+                                          <p:spTgt spid="6"/>
+                                        </p:tgtEl>
+                                        <p:attrNameLst>
+                                          <p:attrName>style.visibility</p:attrName>
+                                        </p:attrNameLst>
+                                      </p:cBhvr>
+                                      <p:to>
+                                        <p:strVal val="visible"/>
+                                      </p:to>
+                                    </p:set>
+                                    <p:animEffect transition="in" filter="fade">
+                                      <p:cBhvr>
+                                        <p:cTn id="7" dur="500"/>
+                                        <p:tgtEl>
+                                          <p:spTgt spid="6"/>
+                                        </p:tgtEl>
+                                      </p:cBhvr>
+                                    </p:animEffect>
+                                  </p:childTnLst>
+                                </p:cTn>
+                              </p:par>
+                            </p:childTnLst>
+                          </p:cTn>
+                        </p:par>
+                      </p:childTnLst>
+                    </p:cTn>
+                  </p:par>
+                </p:childTnLst>
+              </p:cTn>
+              <p:prevCondLst>
+                <p:cond evt="onPrev" delay="0">
+                  <p:tgtEl>
+                    <p:sldTgt/>
+                  </p:tgtEl>
+                </p:cond>
+              </p:prevCondLst>
+              <p:nextCondLst>
+                <p:cond evt="onNext" delay="0">
+                  <p:tgtEl>
+                    <p:sldTgt/>
+                  </p:tgtEl>
+                </p:cond>
+              </p:nextCondLst>
+            </p:seq>
+          </p:childTnLst>
+        </p:cTn>
       </p:par>
     </p:tnLst>
+    <p:bldLst>
+      <p:bldP spid="6" grpId="0"/>
+    </p:bldLst>
   </p:timing>
 </p:sld>
 </file>
@@ -8276,7 +8347,7 @@
           <a:graphicData uri="http://schemas.openxmlformats.org/presentationml/2006/ole">
             <mc:AlternateContent xmlns:mc="http://schemas.openxmlformats.org/markup-compatibility/2006">
               <mc:Choice xmlns:v="urn:schemas-microsoft-com:vml" Requires="v">
-                <p:oleObj spid="_x0000_s342022" name="Equation" r:id="rId4" imgW="6540500" imgH="1092200" progId="Equation.3">
+                <p:oleObj spid="_x0000_s342025" name="Equation" r:id="rId4" imgW="6540500" imgH="1092200" progId="Equation.3">
                   <p:embed/>
                 </p:oleObj>
               </mc:Choice>
@@ -8383,7 +8454,7 @@
           <a:graphicData uri="http://schemas.openxmlformats.org/presentationml/2006/ole">
             <mc:AlternateContent xmlns:mc="http://schemas.openxmlformats.org/markup-compatibility/2006">
               <mc:Choice xmlns:v="urn:schemas-microsoft-com:vml" Requires="v">
-                <p:oleObj spid="_x0000_s342023" name="Equation" r:id="rId6" imgW="5905440" imgH="558720" progId="Equation.DSMT4">
+                <p:oleObj spid="_x0000_s342026" name="Equation" r:id="rId6" imgW="5905440" imgH="558720" progId="Equation.DSMT4">
                   <p:embed/>
                 </p:oleObj>
               </mc:Choice>
@@ -8593,7 +8664,7 @@
           <a:graphicData uri="http://schemas.openxmlformats.org/presentationml/2006/ole">
             <mc:AlternateContent xmlns:mc="http://schemas.openxmlformats.org/markup-compatibility/2006">
               <mc:Choice xmlns:v="urn:schemas-microsoft-com:vml" Requires="v">
-                <p:oleObj spid="_x0000_s88199" name="Equation" r:id="rId4" imgW="990360" imgH="571320" progId="Equation.DSMT4">
+                <p:oleObj spid="_x0000_s88204" name="Equation" r:id="rId4" imgW="990360" imgH="571320" progId="Equation.DSMT4">
                   <p:embed/>
                 </p:oleObj>
               </mc:Choice>
@@ -8669,7 +8740,7 @@
           <a:graphicData uri="http://schemas.openxmlformats.org/presentationml/2006/ole">
             <mc:AlternateContent xmlns:mc="http://schemas.openxmlformats.org/markup-compatibility/2006">
               <mc:Choice xmlns:v="urn:schemas-microsoft-com:vml" Requires="v">
-                <p:oleObj spid="_x0000_s88200" name="Equation" r:id="rId6" imgW="2159000" imgH="723900" progId="Equation.DSMT4">
+                <p:oleObj spid="_x0000_s88205" name="Equation" r:id="rId6" imgW="2159000" imgH="723900" progId="Equation.DSMT4">
                   <p:embed/>
                 </p:oleObj>
               </mc:Choice>
@@ -8729,7 +8800,7 @@
           <a:graphicData uri="http://schemas.openxmlformats.org/presentationml/2006/ole">
             <mc:AlternateContent xmlns:mc="http://schemas.openxmlformats.org/markup-compatibility/2006">
               <mc:Choice xmlns:v="urn:schemas-microsoft-com:vml" Requires="v">
-                <p:oleObj spid="_x0000_s88201" name="Equation" r:id="rId8" imgW="4609800" imgH="1231560" progId="Equation.DSMT4">
+                <p:oleObj spid="_x0000_s88206" name="Equation" r:id="rId8" imgW="4609800" imgH="1231560" progId="Equation.DSMT4">
                   <p:embed/>
                 </p:oleObj>
               </mc:Choice>
@@ -8799,7 +8870,7 @@
           <a:graphicData uri="http://schemas.openxmlformats.org/presentationml/2006/ole">
             <mc:AlternateContent xmlns:mc="http://schemas.openxmlformats.org/markup-compatibility/2006">
               <mc:Choice xmlns:v="urn:schemas-microsoft-com:vml" Requires="v">
-                <p:oleObj spid="_x0000_s88202" name="Equation" r:id="rId10" imgW="4063680" imgH="571320" progId="Equation.DSMT4">
+                <p:oleObj spid="_x0000_s88207" name="Equation" r:id="rId10" imgW="4063680" imgH="571320" progId="Equation.DSMT4">
                   <p:embed/>
                 </p:oleObj>
               </mc:Choice>
@@ -9476,7 +9547,7 @@
           <a:graphicData uri="http://schemas.openxmlformats.org/presentationml/2006/ole">
             <mc:AlternateContent xmlns:mc="http://schemas.openxmlformats.org/markup-compatibility/2006">
               <mc:Choice xmlns:v="urn:schemas-microsoft-com:vml" Requires="v">
-                <p:oleObj spid="_x0000_s330821" name="Equation" r:id="rId4" imgW="990360" imgH="571320" progId="Equation.DSMT4">
+                <p:oleObj spid="_x0000_s330826" name="Equation" r:id="rId4" imgW="990360" imgH="571320" progId="Equation.DSMT4">
                   <p:embed/>
                 </p:oleObj>
               </mc:Choice>
@@ -9552,7 +9623,7 @@
           <a:graphicData uri="http://schemas.openxmlformats.org/presentationml/2006/ole">
             <mc:AlternateContent xmlns:mc="http://schemas.openxmlformats.org/markup-compatibility/2006">
               <mc:Choice xmlns:v="urn:schemas-microsoft-com:vml" Requires="v">
-                <p:oleObj spid="_x0000_s330822" name="Equation" r:id="rId6" imgW="2108200" imgH="1511300" progId="Equation.DSMT4">
+                <p:oleObj spid="_x0000_s330827" name="Equation" r:id="rId6" imgW="2108200" imgH="1511300" progId="Equation.DSMT4">
                   <p:embed/>
                 </p:oleObj>
               </mc:Choice>
@@ -9612,7 +9683,7 @@
           <a:graphicData uri="http://schemas.openxmlformats.org/presentationml/2006/ole">
             <mc:AlternateContent xmlns:mc="http://schemas.openxmlformats.org/markup-compatibility/2006">
               <mc:Choice xmlns:v="urn:schemas-microsoft-com:vml" Requires="v">
-                <p:oleObj spid="_x0000_s330823" name="Equation" r:id="rId8" imgW="4609800" imgH="1231560" progId="Equation.DSMT4">
+                <p:oleObj spid="_x0000_s330828" name="Equation" r:id="rId8" imgW="4609800" imgH="1231560" progId="Equation.DSMT4">
                   <p:embed/>
                 </p:oleObj>
               </mc:Choice>
@@ -9682,7 +9753,7 @@
           <a:graphicData uri="http://schemas.openxmlformats.org/presentationml/2006/ole">
             <mc:AlternateContent xmlns:mc="http://schemas.openxmlformats.org/markup-compatibility/2006">
               <mc:Choice xmlns:v="urn:schemas-microsoft-com:vml" Requires="v">
-                <p:oleObj spid="_x0000_s330824" name="Equation" r:id="rId10" imgW="4063680" imgH="571320" progId="Equation.DSMT4">
+                <p:oleObj spid="_x0000_s330829" name="Equation" r:id="rId10" imgW="4063680" imgH="571320" progId="Equation.DSMT4">
                   <p:embed/>
                 </p:oleObj>
               </mc:Choice>
@@ -10256,7 +10327,7 @@
           <a:graphicData uri="http://schemas.openxmlformats.org/presentationml/2006/ole">
             <mc:AlternateContent xmlns:mc="http://schemas.openxmlformats.org/markup-compatibility/2006">
               <mc:Choice xmlns:v="urn:schemas-microsoft-com:vml" Requires="v">
-                <p:oleObj spid="_x0000_s332820" name="Equation" r:id="rId4" imgW="2044700" imgH="965200" progId="Equation.DSMT4">
+                <p:oleObj spid="_x0000_s332822" name="Equation" r:id="rId4" imgW="2044700" imgH="965200" progId="Equation.DSMT4">
                   <p:embed/>
                 </p:oleObj>
               </mc:Choice>
@@ -10490,7 +10561,7 @@
           <a:graphicData uri="http://schemas.openxmlformats.org/presentationml/2006/ole">
             <mc:AlternateContent xmlns:mc="http://schemas.openxmlformats.org/markup-compatibility/2006">
               <mc:Choice xmlns:v="urn:schemas-microsoft-com:vml" Requires="v">
-                <p:oleObj spid="_x0000_s234547" name="Equation" r:id="rId4" imgW="2717800" imgH="1511300" progId="Equation.DSMT4">
+                <p:oleObj spid="_x0000_s234549" name="Equation" r:id="rId4" imgW="2717800" imgH="1511300" progId="Equation.DSMT4">
                   <p:embed/>
                 </p:oleObj>
               </mc:Choice>
@@ -11069,7 +11140,7 @@
           <a:graphicData uri="http://schemas.openxmlformats.org/presentationml/2006/ole">
             <mc:AlternateContent xmlns:mc="http://schemas.openxmlformats.org/markup-compatibility/2006">
               <mc:Choice xmlns:v="urn:schemas-microsoft-com:vml" Requires="v">
-                <p:oleObj spid="_x0000_s339983" name="Equation" r:id="rId4" imgW="1358900" imgH="495300" progId="Equation.DSMT4">
+                <p:oleObj spid="_x0000_s339985" name="Equation" r:id="rId4" imgW="1358900" imgH="495300" progId="Equation.DSMT4">
                   <p:embed/>
                 </p:oleObj>
               </mc:Choice>
@@ -11114,13 +11185,13 @@
   <p:clrMapOvr>
     <a:masterClrMapping/>
   </p:clrMapOvr>
-  <mc:AlternateContent xmlns:mc="http://schemas.openxmlformats.org/markup-compatibility/2006">
-    <mc:Choice xmlns:p14="http://schemas.microsoft.com/office/powerpoint/2010/main" Requires="p14">
+  <mc:AlternateContent xmlns:mc="http://schemas.openxmlformats.org/markup-compatibility/2006" xmlns:p14="http://schemas.microsoft.com/office/powerpoint/2010/main">
+    <mc:Choice Requires="p14">
       <p:transition spd="med" p14:dur="700" advClick="0">
         <p:fade/>
       </p:transition>
     </mc:Choice>
-    <mc:Fallback>
+    <mc:Fallback xmlns="">
       <p:transition xmlns:p14="http://schemas.microsoft.com/office/powerpoint/2010/main" spd="med" advClick="0">
         <p:fade/>
       </p:transition>
@@ -11282,7 +11353,7 @@
           <a:graphicData uri="http://schemas.openxmlformats.org/presentationml/2006/ole">
             <mc:AlternateContent xmlns:mc="http://schemas.openxmlformats.org/markup-compatibility/2006">
               <mc:Choice xmlns:v="urn:schemas-microsoft-com:vml" Requires="v">
-                <p:oleObj spid="_x0000_s333840" name="Equation" r:id="rId4" imgW="2095500" imgH="914400" progId="Equation.DSMT4">
+                <p:oleObj spid="_x0000_s333842" name="Equation" r:id="rId4" imgW="2095500" imgH="914400" progId="Equation.DSMT4">
                   <p:embed/>
                 </p:oleObj>
               </mc:Choice>
@@ -12636,7 +12707,7 @@
           <a:graphicData uri="http://schemas.openxmlformats.org/presentationml/2006/ole">
             <mc:AlternateContent xmlns:mc="http://schemas.openxmlformats.org/markup-compatibility/2006">
               <mc:Choice xmlns:v="urn:schemas-microsoft-com:vml" Requires="v">
-                <p:oleObj spid="_x0000_s82148" name="Equation" r:id="rId3" imgW="3454200" imgH="1396800" progId="Equation.DSMT4">
+                <p:oleObj spid="_x0000_s82157" name="Equation" r:id="rId3" imgW="3454200" imgH="1396800" progId="Equation.DSMT4">
                   <p:embed/>
                 </p:oleObj>
               </mc:Choice>
@@ -12824,7 +12895,7 @@
           <a:graphicData uri="http://schemas.openxmlformats.org/presentationml/2006/ole">
             <mc:AlternateContent xmlns:mc="http://schemas.openxmlformats.org/markup-compatibility/2006">
               <mc:Choice xmlns:v="urn:schemas-microsoft-com:vml" Requires="v">
-                <p:oleObj spid="_x0000_s82149" name="Equation" r:id="rId5" imgW="2895480" imgH="647640" progId="Equation.DSMT4">
+                <p:oleObj spid="_x0000_s82158" name="Equation" r:id="rId5" imgW="2895480" imgH="647640" progId="Equation.DSMT4">
                   <p:embed/>
                 </p:oleObj>
               </mc:Choice>
@@ -12894,7 +12965,7 @@
           <a:graphicData uri="http://schemas.openxmlformats.org/presentationml/2006/ole">
             <mc:AlternateContent xmlns:mc="http://schemas.openxmlformats.org/markup-compatibility/2006">
               <mc:Choice xmlns:v="urn:schemas-microsoft-com:vml" Requires="v">
-                <p:oleObj spid="_x0000_s82150" name="Equation" r:id="rId7" imgW="1295280" imgH="609480" progId="Equation.DSMT4">
+                <p:oleObj spid="_x0000_s82159" name="Equation" r:id="rId7" imgW="1295280" imgH="609480" progId="Equation.DSMT4">
                   <p:embed/>
                 </p:oleObj>
               </mc:Choice>
@@ -12964,7 +13035,7 @@
           <a:graphicData uri="http://schemas.openxmlformats.org/presentationml/2006/ole">
             <mc:AlternateContent xmlns:mc="http://schemas.openxmlformats.org/markup-compatibility/2006">
               <mc:Choice xmlns:v="urn:schemas-microsoft-com:vml" Requires="v">
-                <p:oleObj spid="_x0000_s82151" name="Equation" r:id="rId9" imgW="1295280" imgH="609480" progId="Equation.DSMT4">
+                <p:oleObj spid="_x0000_s82160" name="Equation" r:id="rId9" imgW="1295280" imgH="609480" progId="Equation.DSMT4">
                   <p:embed/>
                 </p:oleObj>
               </mc:Choice>
@@ -13034,7 +13105,7 @@
           <a:graphicData uri="http://schemas.openxmlformats.org/presentationml/2006/ole">
             <mc:AlternateContent xmlns:mc="http://schemas.openxmlformats.org/markup-compatibility/2006">
               <mc:Choice xmlns:v="urn:schemas-microsoft-com:vml" Requires="v">
-                <p:oleObj spid="_x0000_s82152" name="Equation" r:id="rId11" imgW="1295280" imgH="622080" progId="Equation.DSMT4">
+                <p:oleObj spid="_x0000_s82161" name="Equation" r:id="rId11" imgW="1295280" imgH="622080" progId="Equation.DSMT4">
                   <p:embed/>
                 </p:oleObj>
               </mc:Choice>
@@ -13104,7 +13175,7 @@
           <a:graphicData uri="http://schemas.openxmlformats.org/presentationml/2006/ole">
             <mc:AlternateContent xmlns:mc="http://schemas.openxmlformats.org/markup-compatibility/2006">
               <mc:Choice xmlns:v="urn:schemas-microsoft-com:vml" Requires="v">
-                <p:oleObj spid="_x0000_s82153" name="Equation" r:id="rId13" imgW="1892160" imgH="1346040" progId="Equation.DSMT4">
+                <p:oleObj spid="_x0000_s82162" name="Equation" r:id="rId13" imgW="1892160" imgH="1346040" progId="Equation.DSMT4">
                   <p:embed/>
                 </p:oleObj>
               </mc:Choice>
@@ -13188,7 +13259,7 @@
             <a:graphicData uri="http://schemas.openxmlformats.org/presentationml/2006/ole">
               <mc:AlternateContent xmlns:mc="http://schemas.openxmlformats.org/markup-compatibility/2006">
                 <mc:Choice xmlns:v="urn:schemas-microsoft-com:vml" Requires="v">
-                  <p:oleObj spid="_x0000_s82154" name="Equation" r:id="rId15" imgW="545760" imgH="3124080" progId="Equation.DSMT4">
+                  <p:oleObj spid="_x0000_s82163" name="Equation" r:id="rId15" imgW="545760" imgH="3124080" progId="Equation.DSMT4">
                     <p:embed/>
                   </p:oleObj>
                 </mc:Choice>
@@ -13258,7 +13329,7 @@
             <a:graphicData uri="http://schemas.openxmlformats.org/presentationml/2006/ole">
               <mc:AlternateContent xmlns:mc="http://schemas.openxmlformats.org/markup-compatibility/2006">
                 <mc:Choice xmlns:v="urn:schemas-microsoft-com:vml" Requires="v">
-                  <p:oleObj spid="_x0000_s82155" name="Equation" r:id="rId17" imgW="4076640" imgH="660240" progId="Equation.DSMT4">
+                  <p:oleObj spid="_x0000_s82164" name="Equation" r:id="rId17" imgW="4076640" imgH="660240" progId="Equation.DSMT4">
                     <p:embed/>
                   </p:oleObj>
                 </mc:Choice>
@@ -14039,7 +14110,7 @@
           <a:graphicData uri="http://schemas.openxmlformats.org/presentationml/2006/ole">
             <mc:AlternateContent xmlns:mc="http://schemas.openxmlformats.org/markup-compatibility/2006">
               <mc:Choice xmlns:v="urn:schemas-microsoft-com:vml" Requires="v">
-                <p:oleObj spid="_x0000_s82993" name="Equation" r:id="rId4" imgW="5461000" imgH="2133600" progId="Equation.DSMT4">
+                <p:oleObj spid="_x0000_s82995" name="Equation" r:id="rId4" imgW="5461000" imgH="2133600" progId="Equation.DSMT4">
                   <p:embed/>
                 </p:oleObj>
               </mc:Choice>
@@ -14246,7 +14317,7 @@
           <a:graphicData uri="http://schemas.openxmlformats.org/presentationml/2006/ole">
             <mc:AlternateContent xmlns:mc="http://schemas.openxmlformats.org/markup-compatibility/2006">
               <mc:Choice xmlns:v="urn:schemas-microsoft-com:vml" Requires="v">
-                <p:oleObj spid="_x0000_s135289" name="Equation" r:id="rId4" imgW="8013700" imgH="1562100" progId="Equation.DSMT4">
+                <p:oleObj spid="_x0000_s135294" name="Equation" r:id="rId4" imgW="8013700" imgH="1562100" progId="Equation.DSMT4">
                   <p:embed/>
                 </p:oleObj>
               </mc:Choice>
@@ -14316,7 +14387,7 @@
           <a:graphicData uri="http://schemas.openxmlformats.org/presentationml/2006/ole">
             <mc:AlternateContent xmlns:mc="http://schemas.openxmlformats.org/markup-compatibility/2006">
               <mc:Choice xmlns:v="urn:schemas-microsoft-com:vml" Requires="v">
-                <p:oleObj spid="_x0000_s135290" name="Equation" r:id="rId6" imgW="8280400" imgH="1574800" progId="Equation.3">
+                <p:oleObj spid="_x0000_s135295" name="Equation" r:id="rId6" imgW="8280400" imgH="1574800" progId="Equation.3">
                   <p:embed/>
                 </p:oleObj>
               </mc:Choice>
@@ -14464,7 +14535,7 @@
           <a:graphicData uri="http://schemas.openxmlformats.org/presentationml/2006/ole">
             <mc:AlternateContent xmlns:mc="http://schemas.openxmlformats.org/markup-compatibility/2006">
               <mc:Choice xmlns:v="urn:schemas-microsoft-com:vml" Requires="v">
-                <p:oleObj spid="_x0000_s135291" name="Equation" r:id="rId8" imgW="5168900" imgH="1574800" progId="Equation.3">
+                <p:oleObj spid="_x0000_s135296" name="Equation" r:id="rId8" imgW="5168900" imgH="1574800" progId="Equation.3">
                   <p:embed/>
                 </p:oleObj>
               </mc:Choice>
@@ -14534,7 +14605,7 @@
           <a:graphicData uri="http://schemas.openxmlformats.org/presentationml/2006/ole">
             <mc:AlternateContent xmlns:mc="http://schemas.openxmlformats.org/markup-compatibility/2006">
               <mc:Choice xmlns:v="urn:schemas-microsoft-com:vml" Requires="v">
-                <p:oleObj spid="_x0000_s135292" name="Equation" r:id="rId10" imgW="7632700" imgH="1511300" progId="Equation.3">
+                <p:oleObj spid="_x0000_s135297" name="Equation" r:id="rId10" imgW="7632700" imgH="1511300" progId="Equation.3">
                   <p:embed/>
                 </p:oleObj>
               </mc:Choice>
@@ -15126,7 +15197,7 @@
           <a:graphicData uri="http://schemas.openxmlformats.org/presentationml/2006/ole">
             <mc:AlternateContent xmlns:mc="http://schemas.openxmlformats.org/markup-compatibility/2006">
               <mc:Choice xmlns:v="urn:schemas-microsoft-com:vml" Requires="v">
-                <p:oleObj spid="_x0000_s84036" name="Equation" r:id="rId4" imgW="7251700" imgH="1092200" progId="Equation.3">
+                <p:oleObj spid="_x0000_s84039" name="Equation" r:id="rId4" imgW="7251700" imgH="1092200" progId="Equation.3">
                   <p:embed/>
                 </p:oleObj>
               </mc:Choice>
@@ -15190,7 +15261,7 @@
           <a:graphicData uri="http://schemas.openxmlformats.org/presentationml/2006/ole">
             <mc:AlternateContent xmlns:mc="http://schemas.openxmlformats.org/markup-compatibility/2006">
               <mc:Choice xmlns:v="urn:schemas-microsoft-com:vml" Requires="v">
-                <p:oleObj spid="_x0000_s84037" name="Equation" r:id="rId6" imgW="3390840" imgH="1269720" progId="Equation.DSMT4">
+                <p:oleObj spid="_x0000_s84040" name="Equation" r:id="rId6" imgW="3390840" imgH="1269720" progId="Equation.DSMT4">
                   <p:embed/>
                 </p:oleObj>
               </mc:Choice>
@@ -15470,7 +15541,7 @@
           <a:graphicData uri="http://schemas.openxmlformats.org/presentationml/2006/ole">
             <mc:AlternateContent xmlns:mc="http://schemas.openxmlformats.org/markup-compatibility/2006">
               <mc:Choice xmlns:v="urn:schemas-microsoft-com:vml" Requires="v">
-                <p:oleObj spid="_x0000_s85083" name="Equation" r:id="rId4" imgW="3479760" imgH="1269720" progId="Equation.DSMT4">
+                <p:oleObj spid="_x0000_s85087" name="Equation" r:id="rId4" imgW="3479760" imgH="1269720" progId="Equation.DSMT4">
                   <p:embed/>
                 </p:oleObj>
               </mc:Choice>
@@ -15540,7 +15611,7 @@
           <a:graphicData uri="http://schemas.openxmlformats.org/presentationml/2006/ole">
             <mc:AlternateContent xmlns:mc="http://schemas.openxmlformats.org/markup-compatibility/2006">
               <mc:Choice xmlns:v="urn:schemas-microsoft-com:vml" Requires="v">
-                <p:oleObj spid="_x0000_s85084" name="Equation" r:id="rId6" imgW="3251160" imgH="1269720" progId="Equation.DSMT4">
+                <p:oleObj spid="_x0000_s85088" name="Equation" r:id="rId6" imgW="3251160" imgH="1269720" progId="Equation.DSMT4">
                   <p:embed/>
                 </p:oleObj>
               </mc:Choice>
@@ -15610,7 +15681,7 @@
           <a:graphicData uri="http://schemas.openxmlformats.org/presentationml/2006/ole">
             <mc:AlternateContent xmlns:mc="http://schemas.openxmlformats.org/markup-compatibility/2006">
               <mc:Choice xmlns:v="urn:schemas-microsoft-com:vml" Requires="v">
-                <p:oleObj spid="_x0000_s85085" name="Equation" r:id="rId8" imgW="3504960" imgH="1346040" progId="Equation.DSMT4">
+                <p:oleObj spid="_x0000_s85089" name="Equation" r:id="rId8" imgW="3504960" imgH="1346040" progId="Equation.DSMT4">
                   <p:embed/>
                 </p:oleObj>
               </mc:Choice>
